--- a/document/UI/0325UI.pptx
+++ b/document/UI/0325UI.pptx
@@ -17,25 +17,25 @@
   <p:notesSz cx="6858000" cy="9144000"/>
   <p:embeddedFontLst>
     <p:embeddedFont>
-      <p:font typeface="Yu Gothic UI" panose="020B0500000000000000" pitchFamily="34" charset="-128"/>
+      <p:font typeface="Calibri" panose="020F0502020204030204" pitchFamily="34" charset="0"/>
       <p:regular r:id="rId9"/>
       <p:bold r:id="rId10"/>
-    </p:embeddedFont>
-    <p:embeddedFont>
-      <p:font typeface="Calibri" panose="020F0502020204030204" pitchFamily="34" charset="0"/>
-      <p:regular r:id="rId11"/>
-      <p:bold r:id="rId12"/>
-      <p:italic r:id="rId13"/>
-      <p:boldItalic r:id="rId14"/>
+      <p:italic r:id="rId11"/>
+      <p:boldItalic r:id="rId12"/>
     </p:embeddedFont>
     <p:embeddedFont>
       <p:font typeface="Calibri Light" panose="020F0302020204030204" pitchFamily="34" charset="0"/>
-      <p:regular r:id="rId15"/>
-      <p:italic r:id="rId16"/>
+      <p:regular r:id="rId13"/>
+      <p:italic r:id="rId14"/>
     </p:embeddedFont>
     <p:embeddedFont>
       <p:font typeface="Yu Gothic Medium" panose="020B0500000000000000" pitchFamily="34" charset="-128"/>
-      <p:regular r:id="rId17"/>
+      <p:regular r:id="rId15"/>
+    </p:embeddedFont>
+    <p:embeddedFont>
+      <p:font typeface="Yu Gothic UI" panose="020B0500000000000000" pitchFamily="34" charset="-128"/>
+      <p:regular r:id="rId16"/>
+      <p:bold r:id="rId17"/>
     </p:embeddedFont>
     <p:embeddedFont>
       <p:font typeface="Yu Gothic UI Semibold" panose="020B0700000000000000" pitchFamily="34" charset="-128"/>
@@ -292,7 +292,7 @@
           <a:p>
             <a:fld id="{D3B2BF9B-D8E9-486F-8014-8A7F0F24DBB9}" type="datetimeFigureOut">
               <a:rPr lang="zh-TW" altLang="en-US" smtClean="0"/>
-              <a:t>2021/3/28</a:t>
+              <a:t>2021/4/4</a:t>
             </a:fld>
             <a:endParaRPr lang="zh-TW" altLang="en-US"/>
           </a:p>
@@ -490,7 +490,7 @@
           <a:p>
             <a:fld id="{D3B2BF9B-D8E9-486F-8014-8A7F0F24DBB9}" type="datetimeFigureOut">
               <a:rPr lang="zh-TW" altLang="en-US" smtClean="0"/>
-              <a:t>2021/3/28</a:t>
+              <a:t>2021/4/4</a:t>
             </a:fld>
             <a:endParaRPr lang="zh-TW" altLang="en-US"/>
           </a:p>
@@ -698,7 +698,7 @@
           <a:p>
             <a:fld id="{D3B2BF9B-D8E9-486F-8014-8A7F0F24DBB9}" type="datetimeFigureOut">
               <a:rPr lang="zh-TW" altLang="en-US" smtClean="0"/>
-              <a:t>2021/3/28</a:t>
+              <a:t>2021/4/4</a:t>
             </a:fld>
             <a:endParaRPr lang="zh-TW" altLang="en-US"/>
           </a:p>
@@ -896,7 +896,7 @@
           <a:p>
             <a:fld id="{D3B2BF9B-D8E9-486F-8014-8A7F0F24DBB9}" type="datetimeFigureOut">
               <a:rPr lang="zh-TW" altLang="en-US" smtClean="0"/>
-              <a:t>2021/3/28</a:t>
+              <a:t>2021/4/4</a:t>
             </a:fld>
             <a:endParaRPr lang="zh-TW" altLang="en-US"/>
           </a:p>
@@ -1171,7 +1171,7 @@
           <a:p>
             <a:fld id="{D3B2BF9B-D8E9-486F-8014-8A7F0F24DBB9}" type="datetimeFigureOut">
               <a:rPr lang="zh-TW" altLang="en-US" smtClean="0"/>
-              <a:t>2021/3/28</a:t>
+              <a:t>2021/4/4</a:t>
             </a:fld>
             <a:endParaRPr lang="zh-TW" altLang="en-US"/>
           </a:p>
@@ -1436,7 +1436,7 @@
           <a:p>
             <a:fld id="{D3B2BF9B-D8E9-486F-8014-8A7F0F24DBB9}" type="datetimeFigureOut">
               <a:rPr lang="zh-TW" altLang="en-US" smtClean="0"/>
-              <a:t>2021/3/28</a:t>
+              <a:t>2021/4/4</a:t>
             </a:fld>
             <a:endParaRPr lang="zh-TW" altLang="en-US"/>
           </a:p>
@@ -1848,7 +1848,7 @@
           <a:p>
             <a:fld id="{D3B2BF9B-D8E9-486F-8014-8A7F0F24DBB9}" type="datetimeFigureOut">
               <a:rPr lang="zh-TW" altLang="en-US" smtClean="0"/>
-              <a:t>2021/3/28</a:t>
+              <a:t>2021/4/4</a:t>
             </a:fld>
             <a:endParaRPr lang="zh-TW" altLang="en-US"/>
           </a:p>
@@ -1989,7 +1989,7 @@
           <a:p>
             <a:fld id="{D3B2BF9B-D8E9-486F-8014-8A7F0F24DBB9}" type="datetimeFigureOut">
               <a:rPr lang="zh-TW" altLang="en-US" smtClean="0"/>
-              <a:t>2021/3/28</a:t>
+              <a:t>2021/4/4</a:t>
             </a:fld>
             <a:endParaRPr lang="zh-TW" altLang="en-US"/>
           </a:p>
@@ -2102,7 +2102,7 @@
           <a:p>
             <a:fld id="{D3B2BF9B-D8E9-486F-8014-8A7F0F24DBB9}" type="datetimeFigureOut">
               <a:rPr lang="zh-TW" altLang="en-US" smtClean="0"/>
-              <a:t>2021/3/28</a:t>
+              <a:t>2021/4/4</a:t>
             </a:fld>
             <a:endParaRPr lang="zh-TW" altLang="en-US"/>
           </a:p>
@@ -2413,7 +2413,7 @@
           <a:p>
             <a:fld id="{D3B2BF9B-D8E9-486F-8014-8A7F0F24DBB9}" type="datetimeFigureOut">
               <a:rPr lang="zh-TW" altLang="en-US" smtClean="0"/>
-              <a:t>2021/3/28</a:t>
+              <a:t>2021/4/4</a:t>
             </a:fld>
             <a:endParaRPr lang="zh-TW" altLang="en-US"/>
           </a:p>
@@ -2701,7 +2701,7 @@
           <a:p>
             <a:fld id="{D3B2BF9B-D8E9-486F-8014-8A7F0F24DBB9}" type="datetimeFigureOut">
               <a:rPr lang="zh-TW" altLang="en-US" smtClean="0"/>
-              <a:t>2021/3/28</a:t>
+              <a:t>2021/4/4</a:t>
             </a:fld>
             <a:endParaRPr lang="zh-TW" altLang="en-US"/>
           </a:p>
@@ -2942,7 +2942,7 @@
           <a:p>
             <a:fld id="{D3B2BF9B-D8E9-486F-8014-8A7F0F24DBB9}" type="datetimeFigureOut">
               <a:rPr lang="zh-TW" altLang="en-US" smtClean="0"/>
-              <a:t>2021/3/28</a:t>
+              <a:t>2021/4/4</a:t>
             </a:fld>
             <a:endParaRPr lang="zh-TW" altLang="en-US"/>
           </a:p>
@@ -7693,10 +7693,10 @@
       </p:grpSpPr>
       <p:sp>
         <p:nvSpPr>
-          <p:cNvPr id="2" name="矩形 1">
-            <a:extLst>
-              <a:ext uri="{FF2B5EF4-FFF2-40B4-BE49-F238E27FC236}">
-                <a16:creationId xmlns:a16="http://schemas.microsoft.com/office/drawing/2014/main" id="{E71158C0-E674-492F-8C0D-074C00819AFE}"/>
+          <p:cNvPr id="39" name="矩形 38">
+            <a:extLst>
+              <a:ext uri="{FF2B5EF4-FFF2-40B4-BE49-F238E27FC236}">
+                <a16:creationId xmlns:a16="http://schemas.microsoft.com/office/drawing/2014/main" id="{432B27AB-5468-46AB-9136-9B79AD3B8CC7}"/>
               </a:ext>
             </a:extLst>
           </p:cNvPr>
@@ -7743,7 +7743,17 @@
           <a:lstStyle/>
           <a:p>
             <a:pPr algn="ctr"/>
-            <a:endParaRPr lang="zh-TW" altLang="en-US" dirty="0">
+            <a:r>
+              <a:rPr lang="zh-TW" altLang="en-US" dirty="0">
+                <a:solidFill>
+                  <a:schemeClr val="tx1"/>
+                </a:solidFill>
+                <a:latin typeface="Yu Gothic UI Semibold" panose="020B0700000000000000" pitchFamily="34" charset="-128"/>
+                <a:ea typeface="Yu Gothic UI Semibold" panose="020B0700000000000000" pitchFamily="34" charset="-128"/>
+              </a:rPr>
+              <a:t>這邊是全螢幕</a:t>
+            </a:r>
+            <a:endParaRPr lang="en-US" altLang="zh-TW" dirty="0">
               <a:solidFill>
                 <a:schemeClr val="tx1"/>
               </a:solidFill>
@@ -7751,14 +7761,27 @@
               <a:ea typeface="Yu Gothic UI Semibold" panose="020B0700000000000000" pitchFamily="34" charset="-128"/>
             </a:endParaRPr>
           </a:p>
-        </p:txBody>
-      </p:sp>
-      <p:sp>
-        <p:nvSpPr>
-          <p:cNvPr id="10" name="箭號: 向左 9">
-            <a:extLst>
-              <a:ext uri="{FF2B5EF4-FFF2-40B4-BE49-F238E27FC236}">
-                <a16:creationId xmlns:a16="http://schemas.microsoft.com/office/drawing/2014/main" id="{67CF1AB1-9875-4E49-9D66-564E6043C8F4}"/>
+          <a:p>
+            <a:pPr algn="ctr"/>
+            <a:r>
+              <a:rPr lang="zh-TW" altLang="en-US" dirty="0">
+                <a:solidFill>
+                  <a:schemeClr val="tx1"/>
+                </a:solidFill>
+                <a:latin typeface="Yu Gothic UI Semibold" panose="020B0700000000000000" pitchFamily="34" charset="-128"/>
+                <a:ea typeface="Yu Gothic UI Semibold" panose="020B0700000000000000" pitchFamily="34" charset="-128"/>
+              </a:rPr>
+              <a:t>（點按一下畫面出現工具列）</a:t>
+            </a:r>
+          </a:p>
+        </p:txBody>
+      </p:sp>
+      <p:sp>
+        <p:nvSpPr>
+          <p:cNvPr id="40" name="矩形 39">
+            <a:extLst>
+              <a:ext uri="{FF2B5EF4-FFF2-40B4-BE49-F238E27FC236}">
+                <a16:creationId xmlns:a16="http://schemas.microsoft.com/office/drawing/2014/main" id="{B90D5EE6-E8FE-44AB-8082-AAD623D4F931}"/>
               </a:ext>
             </a:extLst>
           </p:cNvPr>
@@ -7767,16 +7790,16 @@
         </p:nvSpPr>
         <p:spPr>
           <a:xfrm>
-            <a:off x="1746504" y="594360"/>
-            <a:ext cx="347472" cy="137160"/>
-          </a:xfrm>
-          <a:prstGeom prst="leftArrow">
+            <a:off x="4626864" y="2014195"/>
+            <a:ext cx="514503" cy="2275280"/>
+          </a:xfrm>
+          <a:prstGeom prst="rect">
             <a:avLst/>
           </a:prstGeom>
           <a:solidFill>
-            <a:schemeClr val="tx1"/>
+            <a:schemeClr val="bg2"/>
           </a:solidFill>
-          <a:ln>
+          <a:ln w="28575">
             <a:solidFill>
               <a:schemeClr val="tx1"/>
             </a:solidFill>
@@ -7809,132 +7832,10 @@
       </p:sp>
       <p:sp>
         <p:nvSpPr>
-          <p:cNvPr id="13" name="文字方塊 12">
-            <a:extLst>
-              <a:ext uri="{FF2B5EF4-FFF2-40B4-BE49-F238E27FC236}">
-                <a16:creationId xmlns:a16="http://schemas.microsoft.com/office/drawing/2014/main" id="{ABB60339-BDD5-4A82-8CD1-1EA7CB9DD1B6}"/>
-              </a:ext>
-            </a:extLst>
-          </p:cNvPr>
-          <p:cNvSpPr txBox="1"/>
-          <p:nvPr/>
-        </p:nvSpPr>
-        <p:spPr>
-          <a:xfrm>
-            <a:off x="5141367" y="493663"/>
-            <a:ext cx="1681871" cy="338554"/>
-          </a:xfrm>
-          <a:prstGeom prst="rect">
-            <a:avLst/>
-          </a:prstGeom>
-          <a:noFill/>
-        </p:spPr>
-        <p:txBody>
-          <a:bodyPr wrap="none" rtlCol="0">
-            <a:spAutoFit/>
-          </a:bodyPr>
-          <a:lstStyle/>
-          <a:p>
-            <a:r>
-              <a:rPr lang="zh-TW" altLang="en-US" sz="1600" dirty="0">
-                <a:solidFill>
-                  <a:schemeClr val="accent1"/>
-                </a:solidFill>
-                <a:latin typeface="Yu Gothic Medium" panose="020B0500000000000000" pitchFamily="34" charset="-128"/>
-                <a:ea typeface="Yu Gothic Medium" panose="020B0500000000000000" pitchFamily="34" charset="-128"/>
-              </a:rPr>
-              <a:t>點這進入</a:t>
-            </a:r>
-            <a:r>
-              <a:rPr lang="en-US" altLang="zh-TW" sz="1600" dirty="0">
-                <a:solidFill>
-                  <a:schemeClr val="accent1"/>
-                </a:solidFill>
-                <a:latin typeface="Yu Gothic Medium" panose="020B0500000000000000" pitchFamily="34" charset="-128"/>
-                <a:ea typeface="Yu Gothic Medium" panose="020B0500000000000000" pitchFamily="34" charset="-128"/>
-              </a:rPr>
-              <a:t>2D</a:t>
-            </a:r>
-            <a:r>
-              <a:rPr lang="zh-TW" altLang="en-US" sz="1600" dirty="0">
-                <a:solidFill>
-                  <a:schemeClr val="accent1"/>
-                </a:solidFill>
-                <a:latin typeface="Yu Gothic Medium" panose="020B0500000000000000" pitchFamily="34" charset="-128"/>
-                <a:ea typeface="Yu Gothic Medium" panose="020B0500000000000000" pitchFamily="34" charset="-128"/>
-              </a:rPr>
-              <a:t>展覽</a:t>
-            </a:r>
-          </a:p>
-        </p:txBody>
-      </p:sp>
-      <p:sp>
-        <p:nvSpPr>
-          <p:cNvPr id="19" name="文字方塊 18">
-            <a:extLst>
-              <a:ext uri="{FF2B5EF4-FFF2-40B4-BE49-F238E27FC236}">
-                <a16:creationId xmlns:a16="http://schemas.microsoft.com/office/drawing/2014/main" id="{B4E9038C-25FC-40F5-B76B-0611CFFEBB0D}"/>
-              </a:ext>
-            </a:extLst>
-          </p:cNvPr>
-          <p:cNvSpPr txBox="1"/>
-          <p:nvPr/>
-        </p:nvSpPr>
-        <p:spPr>
-          <a:xfrm>
-            <a:off x="125594" y="2135950"/>
-            <a:ext cx="1268249" cy="830997"/>
-          </a:xfrm>
-          <a:prstGeom prst="rect">
-            <a:avLst/>
-          </a:prstGeom>
-          <a:noFill/>
-        </p:spPr>
-        <p:txBody>
-          <a:bodyPr wrap="square" rtlCol="0">
-            <a:spAutoFit/>
-          </a:bodyPr>
-          <a:lstStyle/>
-          <a:p>
-            <a:r>
-              <a:rPr lang="zh-TW" altLang="en-US" sz="1600" dirty="0">
-                <a:solidFill>
-                  <a:schemeClr val="accent1"/>
-                </a:solidFill>
-                <a:latin typeface="Yu Gothic Medium" panose="020B0500000000000000" pitchFamily="34" charset="-128"/>
-                <a:ea typeface="Yu Gothic Medium" panose="020B0500000000000000" pitchFamily="34" charset="-128"/>
-              </a:rPr>
-              <a:t>點</a:t>
-            </a:r>
-            <a:r>
-              <a:rPr lang="en-US" altLang="zh-TW" sz="1600" dirty="0">
-                <a:solidFill>
-                  <a:schemeClr val="accent1"/>
-                </a:solidFill>
-                <a:latin typeface="Yu Gothic Medium" panose="020B0500000000000000" pitchFamily="34" charset="-128"/>
-                <a:ea typeface="Yu Gothic Medium" panose="020B0500000000000000" pitchFamily="34" charset="-128"/>
-              </a:rPr>
-              <a:t>2D</a:t>
-            </a:r>
-            <a:r>
-              <a:rPr lang="zh-TW" altLang="en-US" sz="1600" dirty="0">
-                <a:solidFill>
-                  <a:schemeClr val="accent1"/>
-                </a:solidFill>
-                <a:latin typeface="Yu Gothic Medium" panose="020B0500000000000000" pitchFamily="34" charset="-128"/>
-                <a:ea typeface="Yu Gothic Medium" panose="020B0500000000000000" pitchFamily="34" charset="-128"/>
-              </a:rPr>
-              <a:t>進來先展示展內所有商品</a:t>
-            </a:r>
-          </a:p>
-        </p:txBody>
-      </p:sp>
-      <p:sp>
-        <p:nvSpPr>
-          <p:cNvPr id="49" name="矩形 48">
-            <a:extLst>
-              <a:ext uri="{FF2B5EF4-FFF2-40B4-BE49-F238E27FC236}">
-                <a16:creationId xmlns:a16="http://schemas.microsoft.com/office/drawing/2014/main" id="{A16F02AD-2B60-4BD4-A3DA-D10FCAFAD59A}"/>
+          <p:cNvPr id="41" name="箭號: 向左 40">
+            <a:extLst>
+              <a:ext uri="{FF2B5EF4-FFF2-40B4-BE49-F238E27FC236}">
+                <a16:creationId xmlns:a16="http://schemas.microsoft.com/office/drawing/2014/main" id="{4C9A3E39-A2DB-4F8B-8D2C-0C55ADD43F8C}"/>
               </a:ext>
             </a:extLst>
           </p:cNvPr>
@@ -7943,18 +7844,16 @@
         </p:nvSpPr>
         <p:spPr>
           <a:xfrm>
-            <a:off x="7020764" y="386122"/>
-            <a:ext cx="3600000" cy="6085755"/>
-          </a:xfrm>
-          <a:prstGeom prst="rect">
+            <a:off x="1746504" y="594360"/>
+            <a:ext cx="347472" cy="137160"/>
+          </a:xfrm>
+          <a:prstGeom prst="leftArrow">
             <a:avLst/>
           </a:prstGeom>
           <a:solidFill>
-            <a:schemeClr val="bg1">
-              <a:lumMod val="95000"/>
-            </a:schemeClr>
+            <a:schemeClr val="tx1"/>
           </a:solidFill>
-          <a:ln w="28575">
+          <a:ln>
             <a:solidFill>
               <a:schemeClr val="tx1"/>
             </a:solidFill>
@@ -7981,45 +7880,62 @@
           <a:lstStyle/>
           <a:p>
             <a:pPr algn="ctr"/>
-            <a:r>
-              <a:rPr lang="zh-TW" altLang="en-US" dirty="0">
-                <a:solidFill>
-                  <a:schemeClr val="tx1"/>
-                </a:solidFill>
-                <a:latin typeface="Yu Gothic UI Semibold" panose="020B0700000000000000" pitchFamily="34" charset="-128"/>
-                <a:ea typeface="Yu Gothic UI Semibold" panose="020B0700000000000000" pitchFamily="34" charset="-128"/>
-              </a:rPr>
-              <a:t>這邊是全螢幕</a:t>
-            </a:r>
-            <a:endParaRPr lang="en-US" altLang="zh-TW" dirty="0">
-              <a:solidFill>
-                <a:schemeClr val="tx1"/>
-              </a:solidFill>
-              <a:latin typeface="Yu Gothic UI Semibold" panose="020B0700000000000000" pitchFamily="34" charset="-128"/>
-              <a:ea typeface="Yu Gothic UI Semibold" panose="020B0700000000000000" pitchFamily="34" charset="-128"/>
-            </a:endParaRPr>
-          </a:p>
+            <a:endParaRPr lang="zh-TW" altLang="en-US"/>
+          </a:p>
+        </p:txBody>
+      </p:sp>
+      <p:sp>
+        <p:nvSpPr>
+          <p:cNvPr id="42" name="橢圓 41">
+            <a:extLst>
+              <a:ext uri="{FF2B5EF4-FFF2-40B4-BE49-F238E27FC236}">
+                <a16:creationId xmlns:a16="http://schemas.microsoft.com/office/drawing/2014/main" id="{E1F3AC7A-38BE-403E-B0CC-5248FD5EF757}"/>
+              </a:ext>
+            </a:extLst>
+          </p:cNvPr>
+          <p:cNvSpPr/>
+          <p:nvPr/>
+        </p:nvSpPr>
+        <p:spPr>
+          <a:xfrm>
+            <a:off x="4774387" y="2195499"/>
+            <a:ext cx="219456" cy="219456"/>
+          </a:xfrm>
+          <a:prstGeom prst="ellipse">
+            <a:avLst/>
+          </a:prstGeom>
+        </p:spPr>
+        <p:style>
+          <a:lnRef idx="2">
+            <a:schemeClr val="dk1">
+              <a:shade val="50000"/>
+            </a:schemeClr>
+          </a:lnRef>
+          <a:fillRef idx="1">
+            <a:schemeClr val="dk1"/>
+          </a:fillRef>
+          <a:effectRef idx="0">
+            <a:schemeClr val="dk1"/>
+          </a:effectRef>
+          <a:fontRef idx="minor">
+            <a:schemeClr val="lt1"/>
+          </a:fontRef>
+        </p:style>
+        <p:txBody>
+          <a:bodyPr rtlCol="0" anchor="ctr"/>
+          <a:lstStyle/>
           <a:p>
             <a:pPr algn="ctr"/>
-            <a:r>
-              <a:rPr lang="zh-TW" altLang="en-US" dirty="0">
-                <a:solidFill>
-                  <a:schemeClr val="tx1"/>
-                </a:solidFill>
-                <a:latin typeface="Yu Gothic UI Semibold" panose="020B0700000000000000" pitchFamily="34" charset="-128"/>
-                <a:ea typeface="Yu Gothic UI Semibold" panose="020B0700000000000000" pitchFamily="34" charset="-128"/>
-              </a:rPr>
-              <a:t>（點按一下畫面出現工具列）</a:t>
-            </a:r>
-          </a:p>
-        </p:txBody>
-      </p:sp>
-      <p:sp>
-        <p:nvSpPr>
-          <p:cNvPr id="50" name="矩形 49">
-            <a:extLst>
-              <a:ext uri="{FF2B5EF4-FFF2-40B4-BE49-F238E27FC236}">
-                <a16:creationId xmlns:a16="http://schemas.microsoft.com/office/drawing/2014/main" id="{293E23E8-3A7A-4157-97EF-2C922AC0C190}"/>
+            <a:endParaRPr lang="zh-TW" altLang="en-US"/>
+          </a:p>
+        </p:txBody>
+      </p:sp>
+      <p:sp>
+        <p:nvSpPr>
+          <p:cNvPr id="43" name="橢圓 42">
+            <a:extLst>
+              <a:ext uri="{FF2B5EF4-FFF2-40B4-BE49-F238E27FC236}">
+                <a16:creationId xmlns:a16="http://schemas.microsoft.com/office/drawing/2014/main" id="{5DB8A44B-C1CB-4E20-9183-171433C7EF77}"/>
               </a:ext>
             </a:extLst>
           </p:cNvPr>
@@ -8028,20 +7944,58 @@
         </p:nvSpPr>
         <p:spPr>
           <a:xfrm>
-            <a:off x="10106261" y="2014195"/>
-            <a:ext cx="514503" cy="2275280"/>
-          </a:xfrm>
-          <a:prstGeom prst="rect">
-            <a:avLst/>
-          </a:prstGeom>
-          <a:solidFill>
-            <a:schemeClr val="bg2"/>
-          </a:solidFill>
-          <a:ln w="28575">
-            <a:solidFill>
-              <a:schemeClr val="tx1"/>
-            </a:solidFill>
-          </a:ln>
+            <a:off x="4774387" y="2596259"/>
+            <a:ext cx="219456" cy="219456"/>
+          </a:xfrm>
+          <a:prstGeom prst="ellipse">
+            <a:avLst/>
+          </a:prstGeom>
+        </p:spPr>
+        <p:style>
+          <a:lnRef idx="2">
+            <a:schemeClr val="accent4">
+              <a:shade val="50000"/>
+            </a:schemeClr>
+          </a:lnRef>
+          <a:fillRef idx="1">
+            <a:schemeClr val="accent4"/>
+          </a:fillRef>
+          <a:effectRef idx="0">
+            <a:schemeClr val="accent4"/>
+          </a:effectRef>
+          <a:fontRef idx="minor">
+            <a:schemeClr val="lt1"/>
+          </a:fontRef>
+        </p:style>
+        <p:txBody>
+          <a:bodyPr rtlCol="0" anchor="ctr"/>
+          <a:lstStyle/>
+          <a:p>
+            <a:pPr algn="ctr"/>
+            <a:endParaRPr lang="zh-TW" altLang="en-US"/>
+          </a:p>
+        </p:txBody>
+      </p:sp>
+      <p:sp>
+        <p:nvSpPr>
+          <p:cNvPr id="44" name="橢圓 43">
+            <a:extLst>
+              <a:ext uri="{FF2B5EF4-FFF2-40B4-BE49-F238E27FC236}">
+                <a16:creationId xmlns:a16="http://schemas.microsoft.com/office/drawing/2014/main" id="{5E347D9B-9280-4BC0-AD52-7E3D3AC054A5}"/>
+              </a:ext>
+            </a:extLst>
+          </p:cNvPr>
+          <p:cNvSpPr/>
+          <p:nvPr/>
+        </p:nvSpPr>
+        <p:spPr>
+          <a:xfrm>
+            <a:off x="4774387" y="2997019"/>
+            <a:ext cx="219456" cy="219456"/>
+          </a:xfrm>
+          <a:prstGeom prst="ellipse">
+            <a:avLst/>
+          </a:prstGeom>
         </p:spPr>
         <p:style>
           <a:lnRef idx="2">
@@ -8070,10 +8024,10 @@
       </p:sp>
       <p:sp>
         <p:nvSpPr>
-          <p:cNvPr id="51" name="箭號: 向左 50">
-            <a:extLst>
-              <a:ext uri="{FF2B5EF4-FFF2-40B4-BE49-F238E27FC236}">
-                <a16:creationId xmlns:a16="http://schemas.microsoft.com/office/drawing/2014/main" id="{25834052-1696-45FF-BD89-F79B35CE44F4}"/>
+          <p:cNvPr id="45" name="橢圓 44">
+            <a:extLst>
+              <a:ext uri="{FF2B5EF4-FFF2-40B4-BE49-F238E27FC236}">
+                <a16:creationId xmlns:a16="http://schemas.microsoft.com/office/drawing/2014/main" id="{0ABF8034-15F6-4921-9AC5-2991FC5C5EB3}"/>
               </a:ext>
             </a:extLst>
           </p:cNvPr>
@@ -8082,16 +8036,180 @@
         </p:nvSpPr>
         <p:spPr>
           <a:xfrm>
-            <a:off x="7225901" y="594360"/>
-            <a:ext cx="347472" cy="137160"/>
-          </a:xfrm>
-          <a:prstGeom prst="leftArrow">
+            <a:off x="4775641" y="3397779"/>
+            <a:ext cx="219456" cy="219456"/>
+          </a:xfrm>
+          <a:prstGeom prst="ellipse">
+            <a:avLst/>
+          </a:prstGeom>
+        </p:spPr>
+        <p:style>
+          <a:lnRef idx="2">
+            <a:schemeClr val="accent6">
+              <a:shade val="50000"/>
+            </a:schemeClr>
+          </a:lnRef>
+          <a:fillRef idx="1">
+            <a:schemeClr val="accent6"/>
+          </a:fillRef>
+          <a:effectRef idx="0">
+            <a:schemeClr val="accent6"/>
+          </a:effectRef>
+          <a:fontRef idx="minor">
+            <a:schemeClr val="lt1"/>
+          </a:fontRef>
+        </p:style>
+        <p:txBody>
+          <a:bodyPr rtlCol="0" anchor="ctr"/>
+          <a:lstStyle/>
+          <a:p>
+            <a:pPr algn="ctr"/>
+            <a:endParaRPr lang="zh-TW" altLang="en-US"/>
+          </a:p>
+        </p:txBody>
+      </p:sp>
+      <p:sp>
+        <p:nvSpPr>
+          <p:cNvPr id="46" name="橢圓 45">
+            <a:extLst>
+              <a:ext uri="{FF2B5EF4-FFF2-40B4-BE49-F238E27FC236}">
+                <a16:creationId xmlns:a16="http://schemas.microsoft.com/office/drawing/2014/main" id="{DA9CEB63-6EC5-4285-B301-46591E0B2FD9}"/>
+              </a:ext>
+            </a:extLst>
+          </p:cNvPr>
+          <p:cNvSpPr/>
+          <p:nvPr/>
+        </p:nvSpPr>
+        <p:spPr>
+          <a:xfrm>
+            <a:off x="4774387" y="3838805"/>
+            <a:ext cx="219456" cy="219456"/>
+          </a:xfrm>
+          <a:prstGeom prst="ellipse">
+            <a:avLst/>
+          </a:prstGeom>
+        </p:spPr>
+        <p:style>
+          <a:lnRef idx="2">
+            <a:schemeClr val="accent3">
+              <a:shade val="50000"/>
+            </a:schemeClr>
+          </a:lnRef>
+          <a:fillRef idx="1">
+            <a:schemeClr val="accent3"/>
+          </a:fillRef>
+          <a:effectRef idx="0">
+            <a:schemeClr val="accent3"/>
+          </a:effectRef>
+          <a:fontRef idx="minor">
+            <a:schemeClr val="lt1"/>
+          </a:fontRef>
+        </p:style>
+        <p:txBody>
+          <a:bodyPr rtlCol="0" anchor="ctr"/>
+          <a:lstStyle/>
+          <a:p>
+            <a:pPr algn="ctr"/>
+            <a:endParaRPr lang="zh-TW" altLang="en-US"/>
+          </a:p>
+        </p:txBody>
+      </p:sp>
+      <p:sp>
+        <p:nvSpPr>
+          <p:cNvPr id="47" name="文字方塊 46">
+            <a:extLst>
+              <a:ext uri="{FF2B5EF4-FFF2-40B4-BE49-F238E27FC236}">
+                <a16:creationId xmlns:a16="http://schemas.microsoft.com/office/drawing/2014/main" id="{C7D7D9B2-8BAC-420D-90DB-8A8E4E104CC9}"/>
+              </a:ext>
+            </a:extLst>
+          </p:cNvPr>
+          <p:cNvSpPr txBox="1"/>
+          <p:nvPr/>
+        </p:nvSpPr>
+        <p:spPr>
+          <a:xfrm>
+            <a:off x="5171237" y="2834443"/>
+            <a:ext cx="1415772" cy="584775"/>
+          </a:xfrm>
+          <a:prstGeom prst="rect">
+            <a:avLst/>
+          </a:prstGeom>
+          <a:noFill/>
+        </p:spPr>
+        <p:txBody>
+          <a:bodyPr wrap="none" rtlCol="0">
+            <a:spAutoFit/>
+          </a:bodyPr>
+          <a:lstStyle/>
+          <a:p>
+            <a:r>
+              <a:rPr lang="zh-TW" altLang="en-US" sz="1600" dirty="0">
+                <a:solidFill>
+                  <a:schemeClr val="accent1"/>
+                </a:solidFill>
+                <a:latin typeface="Yu Gothic Medium" panose="020B0500000000000000" pitchFamily="34" charset="-128"/>
+                <a:ea typeface="Yu Gothic Medium" panose="020B0500000000000000" pitchFamily="34" charset="-128"/>
+              </a:rPr>
+              <a:t>背景顏色改變</a:t>
+            </a:r>
+            <a:endParaRPr lang="en-US" altLang="zh-TW" sz="1600" dirty="0">
+              <a:solidFill>
+                <a:schemeClr val="accent1"/>
+              </a:solidFill>
+              <a:latin typeface="Yu Gothic Medium" panose="020B0500000000000000" pitchFamily="34" charset="-128"/>
+              <a:ea typeface="Yu Gothic Medium" panose="020B0500000000000000" pitchFamily="34" charset="-128"/>
+            </a:endParaRPr>
+          </a:p>
+          <a:p>
+            <a:r>
+              <a:rPr lang="en-US" altLang="zh-TW" sz="1600" dirty="0">
+                <a:solidFill>
+                  <a:schemeClr val="accent1"/>
+                </a:solidFill>
+                <a:latin typeface="Yu Gothic Medium" panose="020B0500000000000000" pitchFamily="34" charset="-128"/>
+                <a:ea typeface="Yu Gothic Medium" panose="020B0500000000000000" pitchFamily="34" charset="-128"/>
+              </a:rPr>
+              <a:t>2D</a:t>
+            </a:r>
+            <a:r>
+              <a:rPr lang="zh-TW" altLang="en-US" sz="1600" dirty="0">
+                <a:solidFill>
+                  <a:schemeClr val="accent1"/>
+                </a:solidFill>
+                <a:latin typeface="Yu Gothic Medium" panose="020B0500000000000000" pitchFamily="34" charset="-128"/>
+                <a:ea typeface="Yu Gothic Medium" panose="020B0500000000000000" pitchFamily="34" charset="-128"/>
+              </a:rPr>
+              <a:t>不能使用</a:t>
+            </a:r>
+          </a:p>
+        </p:txBody>
+      </p:sp>
+      <p:sp>
+        <p:nvSpPr>
+          <p:cNvPr id="48" name="矩形 47">
+            <a:extLst>
+              <a:ext uri="{FF2B5EF4-FFF2-40B4-BE49-F238E27FC236}">
+                <a16:creationId xmlns:a16="http://schemas.microsoft.com/office/drawing/2014/main" id="{3229F534-3255-435F-BC0E-92BDD76D6F15}"/>
+              </a:ext>
+            </a:extLst>
+          </p:cNvPr>
+          <p:cNvSpPr/>
+          <p:nvPr/>
+        </p:nvSpPr>
+        <p:spPr>
+          <a:xfrm>
+            <a:off x="7020764" y="386122"/>
+            <a:ext cx="3600000" cy="6085755"/>
+          </a:xfrm>
+          <a:prstGeom prst="rect">
             <a:avLst/>
           </a:prstGeom>
           <a:solidFill>
-            <a:schemeClr val="tx1"/>
+            <a:schemeClr val="bg1">
+              <a:lumMod val="75000"/>
+            </a:schemeClr>
           </a:solidFill>
-          <a:ln>
+          <a:ln w="28575">
             <a:solidFill>
               <a:schemeClr val="tx1"/>
             </a:solidFill>
@@ -8124,240 +8242,10 @@
       </p:sp>
       <p:sp>
         <p:nvSpPr>
-          <p:cNvPr id="52" name="橢圓 51">
-            <a:extLst>
-              <a:ext uri="{FF2B5EF4-FFF2-40B4-BE49-F238E27FC236}">
-                <a16:creationId xmlns:a16="http://schemas.microsoft.com/office/drawing/2014/main" id="{C3F7A383-F3ED-4329-8FBE-7F214311AA75}"/>
-              </a:ext>
-            </a:extLst>
-          </p:cNvPr>
-          <p:cNvSpPr/>
-          <p:nvPr/>
-        </p:nvSpPr>
-        <p:spPr>
-          <a:xfrm>
-            <a:off x="10253784" y="2195499"/>
-            <a:ext cx="219456" cy="219456"/>
-          </a:xfrm>
-          <a:prstGeom prst="ellipse">
-            <a:avLst/>
-          </a:prstGeom>
-        </p:spPr>
-        <p:style>
-          <a:lnRef idx="2">
-            <a:schemeClr val="dk1">
-              <a:shade val="50000"/>
-            </a:schemeClr>
-          </a:lnRef>
-          <a:fillRef idx="1">
-            <a:schemeClr val="dk1"/>
-          </a:fillRef>
-          <a:effectRef idx="0">
-            <a:schemeClr val="dk1"/>
-          </a:effectRef>
-          <a:fontRef idx="minor">
-            <a:schemeClr val="lt1"/>
-          </a:fontRef>
-        </p:style>
-        <p:txBody>
-          <a:bodyPr rtlCol="0" anchor="ctr"/>
-          <a:lstStyle/>
-          <a:p>
-            <a:pPr algn="ctr"/>
-            <a:endParaRPr lang="zh-TW" altLang="en-US"/>
-          </a:p>
-        </p:txBody>
-      </p:sp>
-      <p:sp>
-        <p:nvSpPr>
-          <p:cNvPr id="53" name="橢圓 52">
-            <a:extLst>
-              <a:ext uri="{FF2B5EF4-FFF2-40B4-BE49-F238E27FC236}">
-                <a16:creationId xmlns:a16="http://schemas.microsoft.com/office/drawing/2014/main" id="{A4BB924C-8558-4BE5-B909-A8685BD25611}"/>
-              </a:ext>
-            </a:extLst>
-          </p:cNvPr>
-          <p:cNvSpPr/>
-          <p:nvPr/>
-        </p:nvSpPr>
-        <p:spPr>
-          <a:xfrm>
-            <a:off x="10253784" y="2596259"/>
-            <a:ext cx="219456" cy="219456"/>
-          </a:xfrm>
-          <a:prstGeom prst="ellipse">
-            <a:avLst/>
-          </a:prstGeom>
-        </p:spPr>
-        <p:style>
-          <a:lnRef idx="2">
-            <a:schemeClr val="accent4">
-              <a:shade val="50000"/>
-            </a:schemeClr>
-          </a:lnRef>
-          <a:fillRef idx="1">
-            <a:schemeClr val="accent4"/>
-          </a:fillRef>
-          <a:effectRef idx="0">
-            <a:schemeClr val="accent4"/>
-          </a:effectRef>
-          <a:fontRef idx="minor">
-            <a:schemeClr val="lt1"/>
-          </a:fontRef>
-        </p:style>
-        <p:txBody>
-          <a:bodyPr rtlCol="0" anchor="ctr"/>
-          <a:lstStyle/>
-          <a:p>
-            <a:pPr algn="ctr"/>
-            <a:endParaRPr lang="zh-TW" altLang="en-US"/>
-          </a:p>
-        </p:txBody>
-      </p:sp>
-      <p:sp>
-        <p:nvSpPr>
-          <p:cNvPr id="54" name="橢圓 53">
-            <a:extLst>
-              <a:ext uri="{FF2B5EF4-FFF2-40B4-BE49-F238E27FC236}">
-                <a16:creationId xmlns:a16="http://schemas.microsoft.com/office/drawing/2014/main" id="{17556C4C-59D9-41F8-9002-BAA900AAE49A}"/>
-              </a:ext>
-            </a:extLst>
-          </p:cNvPr>
-          <p:cNvSpPr/>
-          <p:nvPr/>
-        </p:nvSpPr>
-        <p:spPr>
-          <a:xfrm>
-            <a:off x="10253784" y="2997019"/>
-            <a:ext cx="219456" cy="219456"/>
-          </a:xfrm>
-          <a:prstGeom prst="ellipse">
-            <a:avLst/>
-          </a:prstGeom>
-        </p:spPr>
-        <p:style>
-          <a:lnRef idx="2">
-            <a:schemeClr val="accent1">
-              <a:shade val="50000"/>
-            </a:schemeClr>
-          </a:lnRef>
-          <a:fillRef idx="1">
-            <a:schemeClr val="accent1"/>
-          </a:fillRef>
-          <a:effectRef idx="0">
-            <a:schemeClr val="accent1"/>
-          </a:effectRef>
-          <a:fontRef idx="minor">
-            <a:schemeClr val="lt1"/>
-          </a:fontRef>
-        </p:style>
-        <p:txBody>
-          <a:bodyPr rtlCol="0" anchor="ctr"/>
-          <a:lstStyle/>
-          <a:p>
-            <a:pPr algn="ctr"/>
-            <a:endParaRPr lang="zh-TW" altLang="en-US"/>
-          </a:p>
-        </p:txBody>
-      </p:sp>
-      <p:sp>
-        <p:nvSpPr>
-          <p:cNvPr id="56" name="橢圓 55">
-            <a:extLst>
-              <a:ext uri="{FF2B5EF4-FFF2-40B4-BE49-F238E27FC236}">
-                <a16:creationId xmlns:a16="http://schemas.microsoft.com/office/drawing/2014/main" id="{B3F2F2AE-9BCE-4219-89B7-D32940272BC6}"/>
-              </a:ext>
-            </a:extLst>
-          </p:cNvPr>
-          <p:cNvSpPr/>
-          <p:nvPr/>
-        </p:nvSpPr>
-        <p:spPr>
-          <a:xfrm>
-            <a:off x="10255038" y="3397779"/>
-            <a:ext cx="219456" cy="219456"/>
-          </a:xfrm>
-          <a:prstGeom prst="ellipse">
-            <a:avLst/>
-          </a:prstGeom>
-        </p:spPr>
-        <p:style>
-          <a:lnRef idx="2">
-            <a:schemeClr val="accent6">
-              <a:shade val="50000"/>
-            </a:schemeClr>
-          </a:lnRef>
-          <a:fillRef idx="1">
-            <a:schemeClr val="accent6"/>
-          </a:fillRef>
-          <a:effectRef idx="0">
-            <a:schemeClr val="accent6"/>
-          </a:effectRef>
-          <a:fontRef idx="minor">
-            <a:schemeClr val="lt1"/>
-          </a:fontRef>
-        </p:style>
-        <p:txBody>
-          <a:bodyPr rtlCol="0" anchor="ctr"/>
-          <a:lstStyle/>
-          <a:p>
-            <a:pPr algn="ctr"/>
-            <a:endParaRPr lang="zh-TW" altLang="en-US"/>
-          </a:p>
-        </p:txBody>
-      </p:sp>
-      <p:sp>
-        <p:nvSpPr>
-          <p:cNvPr id="57" name="橢圓 56">
-            <a:extLst>
-              <a:ext uri="{FF2B5EF4-FFF2-40B4-BE49-F238E27FC236}">
-                <a16:creationId xmlns:a16="http://schemas.microsoft.com/office/drawing/2014/main" id="{7D14CFE5-C2AD-46FF-8D5E-72B9B3A0AB9D}"/>
-              </a:ext>
-            </a:extLst>
-          </p:cNvPr>
-          <p:cNvSpPr/>
-          <p:nvPr/>
-        </p:nvSpPr>
-        <p:spPr>
-          <a:xfrm>
-            <a:off x="10253784" y="3838805"/>
-            <a:ext cx="219456" cy="219456"/>
-          </a:xfrm>
-          <a:prstGeom prst="ellipse">
-            <a:avLst/>
-          </a:prstGeom>
-        </p:spPr>
-        <p:style>
-          <a:lnRef idx="2">
-            <a:schemeClr val="accent3">
-              <a:shade val="50000"/>
-            </a:schemeClr>
-          </a:lnRef>
-          <a:fillRef idx="1">
-            <a:schemeClr val="accent3"/>
-          </a:fillRef>
-          <a:effectRef idx="0">
-            <a:schemeClr val="accent3"/>
-          </a:effectRef>
-          <a:fontRef idx="minor">
-            <a:schemeClr val="lt1"/>
-          </a:fontRef>
-        </p:style>
-        <p:txBody>
-          <a:bodyPr rtlCol="0" anchor="ctr"/>
-          <a:lstStyle/>
-          <a:p>
-            <a:pPr algn="ctr"/>
-            <a:endParaRPr lang="zh-TW" altLang="en-US"/>
-          </a:p>
-        </p:txBody>
-      </p:sp>
-      <p:sp>
-        <p:nvSpPr>
-          <p:cNvPr id="58" name="文字方塊 57">
-            <a:extLst>
-              <a:ext uri="{FF2B5EF4-FFF2-40B4-BE49-F238E27FC236}">
-                <a16:creationId xmlns:a16="http://schemas.microsoft.com/office/drawing/2014/main" id="{3DC4D597-0EDD-4D88-8E5B-F2A87386D25E}"/>
+          <p:cNvPr id="55" name="文字方塊 54">
+            <a:extLst>
+              <a:ext uri="{FF2B5EF4-FFF2-40B4-BE49-F238E27FC236}">
+                <a16:creationId xmlns:a16="http://schemas.microsoft.com/office/drawing/2014/main" id="{84B14D56-34F9-430B-BECE-A18620CF01D5}"/>
               </a:ext>
             </a:extLst>
           </p:cNvPr>
@@ -8366,8 +8254,8 @@
         </p:nvSpPr>
         <p:spPr>
           <a:xfrm>
-            <a:off x="10650634" y="2834443"/>
-            <a:ext cx="1415772" cy="584775"/>
+            <a:off x="7805101" y="1829529"/>
+            <a:ext cx="2031325" cy="369332"/>
           </a:xfrm>
           <a:prstGeom prst="rect">
             <a:avLst/>
@@ -8380,6 +8268,167 @@
           </a:bodyPr>
           <a:lstStyle/>
           <a:p>
+            <a:r>
+              <a:rPr lang="zh-TW" altLang="en-US" dirty="0">
+                <a:latin typeface="Yu Gothic UI Semibold" panose="020B0700000000000000" pitchFamily="34" charset="-128"/>
+                <a:ea typeface="Yu Gothic UI Semibold" panose="020B0700000000000000" pitchFamily="34" charset="-128"/>
+              </a:rPr>
+              <a:t>當看到某一物品時</a:t>
+            </a:r>
+          </a:p>
+        </p:txBody>
+      </p:sp>
+      <p:sp>
+        <p:nvSpPr>
+          <p:cNvPr id="59" name="文字方塊 58">
+            <a:extLst>
+              <a:ext uri="{FF2B5EF4-FFF2-40B4-BE49-F238E27FC236}">
+                <a16:creationId xmlns:a16="http://schemas.microsoft.com/office/drawing/2014/main" id="{C2090EF0-8A1D-40FE-9C09-A2E06D53A696}"/>
+              </a:ext>
+            </a:extLst>
+          </p:cNvPr>
+          <p:cNvSpPr txBox="1"/>
+          <p:nvPr/>
+        </p:nvSpPr>
+        <p:spPr>
+          <a:xfrm>
+            <a:off x="8927372" y="2815715"/>
+            <a:ext cx="1588227" cy="1843426"/>
+          </a:xfrm>
+          <a:prstGeom prst="rect">
+            <a:avLst/>
+          </a:prstGeom>
+          <a:noFill/>
+          <a:ln>
+            <a:solidFill>
+              <a:schemeClr val="tx1"/>
+            </a:solidFill>
+            <a:prstDash val="dash"/>
+          </a:ln>
+        </p:spPr>
+        <p:txBody>
+          <a:bodyPr wrap="none" rtlCol="0">
+            <a:noAutofit/>
+          </a:bodyPr>
+          <a:lstStyle/>
+          <a:p>
+            <a:r>
+              <a:rPr lang="zh-TW" altLang="en-US" sz="1400" dirty="0">
+                <a:solidFill>
+                  <a:schemeClr val="accent1"/>
+                </a:solidFill>
+                <a:latin typeface="Yu Gothic Medium" panose="020B0500000000000000" pitchFamily="34" charset="-128"/>
+                <a:ea typeface="Yu Gothic Medium" panose="020B0500000000000000" pitchFamily="34" charset="-128"/>
+              </a:rPr>
+              <a:t>物品名稱：</a:t>
+            </a:r>
+            <a:r>
+              <a:rPr lang="en-US" altLang="zh-TW" sz="1400" dirty="0">
+                <a:solidFill>
+                  <a:schemeClr val="accent1"/>
+                </a:solidFill>
+                <a:latin typeface="Yu Gothic Medium" panose="020B0500000000000000" pitchFamily="34" charset="-128"/>
+                <a:ea typeface="Yu Gothic Medium" panose="020B0500000000000000" pitchFamily="34" charset="-128"/>
+              </a:rPr>
+              <a:t>123</a:t>
+            </a:r>
+          </a:p>
+          <a:p>
+            <a:r>
+              <a:rPr lang="zh-TW" altLang="en-US" sz="1400" dirty="0">
+                <a:solidFill>
+                  <a:schemeClr val="accent1"/>
+                </a:solidFill>
+                <a:latin typeface="Yu Gothic Medium" panose="020B0500000000000000" pitchFamily="34" charset="-128"/>
+                <a:ea typeface="Yu Gothic Medium" panose="020B0500000000000000" pitchFamily="34" charset="-128"/>
+              </a:rPr>
+              <a:t>物品簡介：</a:t>
+            </a:r>
+            <a:r>
+              <a:rPr lang="en-US" altLang="zh-TW" sz="1400" dirty="0">
+                <a:solidFill>
+                  <a:schemeClr val="accent1"/>
+                </a:solidFill>
+                <a:latin typeface="Yu Gothic Medium" panose="020B0500000000000000" pitchFamily="34" charset="-128"/>
+                <a:ea typeface="Yu Gothic Medium" panose="020B0500000000000000" pitchFamily="34" charset="-128"/>
+              </a:rPr>
+              <a:t>456789</a:t>
+            </a:r>
+            <a:endParaRPr lang="zh-TW" altLang="en-US" sz="1400" dirty="0">
+              <a:solidFill>
+                <a:schemeClr val="accent1"/>
+              </a:solidFill>
+              <a:latin typeface="Yu Gothic Medium" panose="020B0500000000000000" pitchFamily="34" charset="-128"/>
+              <a:ea typeface="Yu Gothic Medium" panose="020B0500000000000000" pitchFamily="34" charset="-128"/>
+            </a:endParaRPr>
+          </a:p>
+        </p:txBody>
+      </p:sp>
+      <p:sp>
+        <p:nvSpPr>
+          <p:cNvPr id="63" name="文字方塊 62">
+            <a:extLst>
+              <a:ext uri="{FF2B5EF4-FFF2-40B4-BE49-F238E27FC236}">
+                <a16:creationId xmlns:a16="http://schemas.microsoft.com/office/drawing/2014/main" id="{12D29674-7C1E-46AD-A5D5-18D6F9A75CE1}"/>
+              </a:ext>
+            </a:extLst>
+          </p:cNvPr>
+          <p:cNvSpPr txBox="1"/>
+          <p:nvPr/>
+        </p:nvSpPr>
+        <p:spPr>
+          <a:xfrm>
+            <a:off x="7179955" y="2815714"/>
+            <a:ext cx="1588227" cy="1843425"/>
+          </a:xfrm>
+          <a:prstGeom prst="rect">
+            <a:avLst/>
+          </a:prstGeom>
+          <a:noFill/>
+          <a:ln>
+            <a:solidFill>
+              <a:schemeClr val="tx1"/>
+            </a:solidFill>
+            <a:prstDash val="dash"/>
+          </a:ln>
+        </p:spPr>
+        <p:txBody>
+          <a:bodyPr wrap="none" rtlCol="0">
+            <a:noAutofit/>
+          </a:bodyPr>
+          <a:lstStyle/>
+          <a:p>
+            <a:pPr algn="ctr"/>
+            <a:endParaRPr lang="en-US" altLang="zh-TW" sz="1400" dirty="0">
+              <a:solidFill>
+                <a:schemeClr val="accent1"/>
+              </a:solidFill>
+              <a:latin typeface="Yu Gothic Medium" panose="020B0500000000000000" pitchFamily="34" charset="-128"/>
+              <a:ea typeface="Yu Gothic Medium" panose="020B0500000000000000" pitchFamily="34" charset="-128"/>
+            </a:endParaRPr>
+          </a:p>
+          <a:p>
+            <a:pPr algn="ctr"/>
+            <a:endParaRPr lang="en-US" altLang="zh-TW" sz="1400" dirty="0">
+              <a:solidFill>
+                <a:schemeClr val="accent1"/>
+              </a:solidFill>
+              <a:latin typeface="Yu Gothic Medium" panose="020B0500000000000000" pitchFamily="34" charset="-128"/>
+              <a:ea typeface="Yu Gothic Medium" panose="020B0500000000000000" pitchFamily="34" charset="-128"/>
+            </a:endParaRPr>
+          </a:p>
+          <a:p>
+            <a:pPr algn="ctr"/>
+            <a:endParaRPr lang="en-US" altLang="zh-TW" sz="1400" dirty="0">
+              <a:solidFill>
+                <a:schemeClr val="accent1"/>
+              </a:solidFill>
+              <a:latin typeface="Yu Gothic Medium" panose="020B0500000000000000" pitchFamily="34" charset="-128"/>
+              <a:ea typeface="Yu Gothic Medium" panose="020B0500000000000000" pitchFamily="34" charset="-128"/>
+            </a:endParaRPr>
+          </a:p>
+          <a:p>
+            <a:pPr algn="ctr"/>
             <a:r>
               <a:rPr lang="zh-TW" altLang="en-US" sz="1600" dirty="0">
                 <a:solidFill>
@@ -8388,424 +8437,17 @@
                 <a:latin typeface="Yu Gothic Medium" panose="020B0500000000000000" pitchFamily="34" charset="-128"/>
                 <a:ea typeface="Yu Gothic Medium" panose="020B0500000000000000" pitchFamily="34" charset="-128"/>
               </a:rPr>
-              <a:t>背景顏色改變</a:t>
-            </a:r>
-            <a:endParaRPr lang="en-US" altLang="zh-TW" sz="1600" dirty="0">
-              <a:solidFill>
-                <a:schemeClr val="accent1"/>
-              </a:solidFill>
-              <a:latin typeface="Yu Gothic Medium" panose="020B0500000000000000" pitchFamily="34" charset="-128"/>
-              <a:ea typeface="Yu Gothic Medium" panose="020B0500000000000000" pitchFamily="34" charset="-128"/>
-            </a:endParaRPr>
-          </a:p>
-          <a:p>
-            <a:r>
-              <a:rPr lang="en-US" altLang="zh-TW" sz="1600" dirty="0">
-                <a:solidFill>
-                  <a:schemeClr val="accent1"/>
-                </a:solidFill>
-                <a:latin typeface="Yu Gothic Medium" panose="020B0500000000000000" pitchFamily="34" charset="-128"/>
-                <a:ea typeface="Yu Gothic Medium" panose="020B0500000000000000" pitchFamily="34" charset="-128"/>
-              </a:rPr>
-              <a:t>2D</a:t>
-            </a:r>
-            <a:r>
-              <a:rPr lang="zh-TW" altLang="en-US" sz="1600" dirty="0">
-                <a:solidFill>
-                  <a:schemeClr val="accent1"/>
-                </a:solidFill>
-                <a:latin typeface="Yu Gothic Medium" panose="020B0500000000000000" pitchFamily="34" charset="-128"/>
-                <a:ea typeface="Yu Gothic Medium" panose="020B0500000000000000" pitchFamily="34" charset="-128"/>
-              </a:rPr>
-              <a:t>不能使用</a:t>
-            </a:r>
-          </a:p>
-        </p:txBody>
-      </p:sp>
-      <p:pic>
-        <p:nvPicPr>
-          <p:cNvPr id="5" name="圖片 4">
-            <a:extLst>
-              <a:ext uri="{FF2B5EF4-FFF2-40B4-BE49-F238E27FC236}">
-                <a16:creationId xmlns:a16="http://schemas.microsoft.com/office/drawing/2014/main" id="{4375CF67-18D8-4526-B898-36BAD7EB353D}"/>
-              </a:ext>
-            </a:extLst>
-          </p:cNvPr>
-          <p:cNvPicPr>
-            <a:picLocks noChangeAspect="1"/>
-          </p:cNvPicPr>
-          <p:nvPr/>
-        </p:nvPicPr>
-        <p:blipFill>
-          <a:blip r:embed="rId2">
-            <a:extLst>
-              <a:ext uri="{28A0092B-C50C-407E-A947-70E740481C1C}">
-                <a14:useLocalDpi xmlns:a14="http://schemas.microsoft.com/office/drawing/2010/main" val="0"/>
-              </a:ext>
-            </a:extLst>
-          </a:blip>
-          <a:stretch>
-            <a:fillRect/>
-          </a:stretch>
-        </p:blipFill>
-        <p:spPr>
-          <a:xfrm>
-            <a:off x="4616302" y="482940"/>
-            <a:ext cx="360000" cy="360000"/>
-          </a:xfrm>
-          <a:prstGeom prst="rect">
-            <a:avLst/>
-          </a:prstGeom>
-        </p:spPr>
-      </p:pic>
-      <p:sp>
-        <p:nvSpPr>
-          <p:cNvPr id="60" name="文字方塊 59">
-            <a:extLst>
-              <a:ext uri="{FF2B5EF4-FFF2-40B4-BE49-F238E27FC236}">
-                <a16:creationId xmlns:a16="http://schemas.microsoft.com/office/drawing/2014/main" id="{B4BBC6DC-29E9-48E1-8681-F032A42A7834}"/>
-              </a:ext>
-            </a:extLst>
-          </p:cNvPr>
-          <p:cNvSpPr txBox="1"/>
-          <p:nvPr/>
-        </p:nvSpPr>
-        <p:spPr>
-          <a:xfrm>
-            <a:off x="1829290" y="2429585"/>
-            <a:ext cx="1443950" cy="338554"/>
-          </a:xfrm>
-          <a:prstGeom prst="rect">
-            <a:avLst/>
-          </a:prstGeom>
-          <a:noFill/>
-        </p:spPr>
-        <p:txBody>
-          <a:bodyPr wrap="square" rtlCol="0">
-            <a:spAutoFit/>
-          </a:bodyPr>
-          <a:lstStyle/>
-          <a:p>
-            <a:pPr algn="ctr"/>
-            <a:r>
-              <a:rPr lang="zh-TW" altLang="en-US" sz="1600" dirty="0">
-                <a:latin typeface="Yu Gothic Medium" panose="020B0500000000000000" pitchFamily="34" charset="-128"/>
-                <a:ea typeface="Yu Gothic Medium" panose="020B0500000000000000" pitchFamily="34" charset="-128"/>
-              </a:rPr>
-              <a:t>商品名稱</a:t>
-            </a:r>
-            <a:endParaRPr lang="en-US" altLang="zh-TW" sz="1600" dirty="0">
-              <a:latin typeface="Yu Gothic Medium" panose="020B0500000000000000" pitchFamily="34" charset="-128"/>
-              <a:ea typeface="Yu Gothic Medium" panose="020B0500000000000000" pitchFamily="34" charset="-128"/>
-            </a:endParaRPr>
-          </a:p>
-        </p:txBody>
-      </p:sp>
-      <p:sp>
-        <p:nvSpPr>
-          <p:cNvPr id="61" name="矩形 60">
-            <a:extLst>
-              <a:ext uri="{FF2B5EF4-FFF2-40B4-BE49-F238E27FC236}">
-                <a16:creationId xmlns:a16="http://schemas.microsoft.com/office/drawing/2014/main" id="{4B8EF523-BD69-487F-8C88-40268006265D}"/>
-              </a:ext>
-            </a:extLst>
-          </p:cNvPr>
-          <p:cNvSpPr/>
-          <p:nvPr/>
-        </p:nvSpPr>
-        <p:spPr>
-          <a:xfrm>
-            <a:off x="1949702" y="1163655"/>
-            <a:ext cx="1203127" cy="1203127"/>
-          </a:xfrm>
-          <a:prstGeom prst="rect">
-            <a:avLst/>
-          </a:prstGeom>
-          <a:noFill/>
-        </p:spPr>
-        <p:style>
-          <a:lnRef idx="2">
-            <a:schemeClr val="accent1">
-              <a:shade val="50000"/>
-            </a:schemeClr>
-          </a:lnRef>
-          <a:fillRef idx="1">
-            <a:schemeClr val="accent1"/>
-          </a:fillRef>
-          <a:effectRef idx="0">
-            <a:schemeClr val="accent1"/>
-          </a:effectRef>
-          <a:fontRef idx="minor">
-            <a:schemeClr val="lt1"/>
-          </a:fontRef>
-        </p:style>
-        <p:txBody>
-          <a:bodyPr rtlCol="0" anchor="ctr"/>
-          <a:lstStyle/>
-          <a:p>
-            <a:pPr algn="ctr"/>
-            <a:endParaRPr lang="zh-TW" altLang="en-US"/>
-          </a:p>
-        </p:txBody>
-      </p:sp>
-      <p:sp>
-        <p:nvSpPr>
-          <p:cNvPr id="62" name="文字方塊 61">
-            <a:extLst>
-              <a:ext uri="{FF2B5EF4-FFF2-40B4-BE49-F238E27FC236}">
-                <a16:creationId xmlns:a16="http://schemas.microsoft.com/office/drawing/2014/main" id="{DF3A8ACB-D4E5-4E93-8B61-8F0E63F826EC}"/>
-              </a:ext>
-            </a:extLst>
-          </p:cNvPr>
-          <p:cNvSpPr txBox="1"/>
-          <p:nvPr/>
-        </p:nvSpPr>
-        <p:spPr>
-          <a:xfrm>
-            <a:off x="2029265" y="2703015"/>
-            <a:ext cx="1044000" cy="338554"/>
-          </a:xfrm>
-          <a:prstGeom prst="rect">
-            <a:avLst/>
-          </a:prstGeom>
-          <a:noFill/>
-        </p:spPr>
-        <p:txBody>
-          <a:bodyPr wrap="square" rtlCol="0">
-            <a:spAutoFit/>
-          </a:bodyPr>
-          <a:lstStyle/>
-          <a:p>
-            <a:pPr algn="ctr"/>
-            <a:r>
-              <a:rPr lang="en-US" altLang="zh-TW" sz="1600" dirty="0">
-                <a:latin typeface="Yu Gothic Medium" panose="020B0500000000000000" pitchFamily="34" charset="-128"/>
-                <a:ea typeface="Yu Gothic Medium" panose="020B0500000000000000" pitchFamily="34" charset="-128"/>
-              </a:rPr>
-              <a:t>$500</a:t>
-            </a:r>
-          </a:p>
-        </p:txBody>
-      </p:sp>
-      <p:sp>
-        <p:nvSpPr>
-          <p:cNvPr id="67" name="文字方塊 66">
-            <a:extLst>
-              <a:ext uri="{FF2B5EF4-FFF2-40B4-BE49-F238E27FC236}">
-                <a16:creationId xmlns:a16="http://schemas.microsoft.com/office/drawing/2014/main" id="{02334A3F-23DB-4162-AAC5-F78B1864B9E2}"/>
-              </a:ext>
-            </a:extLst>
-          </p:cNvPr>
-          <p:cNvSpPr txBox="1"/>
-          <p:nvPr/>
-        </p:nvSpPr>
-        <p:spPr>
-          <a:xfrm>
-            <a:off x="3273240" y="1610724"/>
-            <a:ext cx="1724710" cy="584775"/>
-          </a:xfrm>
-          <a:prstGeom prst="rect">
-            <a:avLst/>
-          </a:prstGeom>
-          <a:noFill/>
-        </p:spPr>
-        <p:txBody>
-          <a:bodyPr wrap="square" rtlCol="0">
-            <a:spAutoFit/>
-          </a:bodyPr>
-          <a:lstStyle/>
-          <a:p>
-            <a:r>
-              <a:rPr lang="zh-TW" altLang="en-US" sz="1600" dirty="0">
-                <a:solidFill>
-                  <a:schemeClr val="accent1"/>
-                </a:solidFill>
-                <a:latin typeface="Yu Gothic Medium" panose="020B0500000000000000" pitchFamily="34" charset="-128"/>
-                <a:ea typeface="Yu Gothic Medium" panose="020B0500000000000000" pitchFamily="34" charset="-128"/>
-              </a:rPr>
-              <a:t>點這跳詳細商品資訊頁</a:t>
-            </a:r>
-          </a:p>
-        </p:txBody>
-      </p:sp>
-      <p:sp>
-        <p:nvSpPr>
-          <p:cNvPr id="6" name="矩形 5">
-            <a:extLst>
-              <a:ext uri="{FF2B5EF4-FFF2-40B4-BE49-F238E27FC236}">
-                <a16:creationId xmlns:a16="http://schemas.microsoft.com/office/drawing/2014/main" id="{BD317A55-14C3-4BF9-9EA1-57F15C91D41B}"/>
-              </a:ext>
-            </a:extLst>
-          </p:cNvPr>
-          <p:cNvSpPr/>
-          <p:nvPr/>
-        </p:nvSpPr>
-        <p:spPr>
-          <a:xfrm>
-            <a:off x="1805775" y="886492"/>
-            <a:ext cx="3071184" cy="5331485"/>
-          </a:xfrm>
-          <a:prstGeom prst="rect">
-            <a:avLst/>
-          </a:prstGeom>
-        </p:spPr>
-        <p:style>
-          <a:lnRef idx="2">
-            <a:schemeClr val="accent3"/>
-          </a:lnRef>
-          <a:fillRef idx="1">
-            <a:schemeClr val="lt1"/>
-          </a:fillRef>
-          <a:effectRef idx="0">
-            <a:schemeClr val="accent3"/>
-          </a:effectRef>
-          <a:fontRef idx="minor">
-            <a:schemeClr val="dk1"/>
-          </a:fontRef>
-        </p:style>
-        <p:txBody>
-          <a:bodyPr rtlCol="0" anchor="ctr"/>
-          <a:lstStyle/>
-          <a:p>
-            <a:pPr algn="ctr"/>
-            <a:endParaRPr lang="zh-TW" altLang="en-US"/>
-          </a:p>
-        </p:txBody>
-      </p:sp>
-      <p:sp>
-        <p:nvSpPr>
-          <p:cNvPr id="69" name="文字方塊 68">
-            <a:extLst>
-              <a:ext uri="{FF2B5EF4-FFF2-40B4-BE49-F238E27FC236}">
-                <a16:creationId xmlns:a16="http://schemas.microsoft.com/office/drawing/2014/main" id="{856A64CF-8AF8-43F3-9324-58CC9913B270}"/>
-              </a:ext>
-            </a:extLst>
-          </p:cNvPr>
-          <p:cNvSpPr txBox="1"/>
-          <p:nvPr/>
-        </p:nvSpPr>
-        <p:spPr>
-          <a:xfrm>
-            <a:off x="2093976" y="3234552"/>
-            <a:ext cx="1443950" cy="369332"/>
-          </a:xfrm>
-          <a:prstGeom prst="rect">
-            <a:avLst/>
-          </a:prstGeom>
-          <a:noFill/>
-        </p:spPr>
-        <p:txBody>
-          <a:bodyPr wrap="square" rtlCol="0">
-            <a:spAutoFit/>
-          </a:bodyPr>
-          <a:lstStyle/>
-          <a:p>
-            <a:r>
-              <a:rPr lang="zh-TW" altLang="en-US" dirty="0">
-                <a:latin typeface="Yu Gothic Medium" panose="020B0500000000000000" pitchFamily="34" charset="-128"/>
-                <a:ea typeface="Yu Gothic Medium" panose="020B0500000000000000" pitchFamily="34" charset="-128"/>
-              </a:rPr>
-              <a:t>商品名稱</a:t>
-            </a:r>
-            <a:endParaRPr lang="en-US" altLang="zh-TW" dirty="0">
-              <a:latin typeface="Yu Gothic Medium" panose="020B0500000000000000" pitchFamily="34" charset="-128"/>
-              <a:ea typeface="Yu Gothic Medium" panose="020B0500000000000000" pitchFamily="34" charset="-128"/>
-            </a:endParaRPr>
-          </a:p>
-        </p:txBody>
-      </p:sp>
-      <p:sp>
-        <p:nvSpPr>
-          <p:cNvPr id="71" name="矩形 70">
-            <a:extLst>
-              <a:ext uri="{FF2B5EF4-FFF2-40B4-BE49-F238E27FC236}">
-                <a16:creationId xmlns:a16="http://schemas.microsoft.com/office/drawing/2014/main" id="{89CC29B7-0248-4F4B-8ED9-C5113F700CD5}"/>
-              </a:ext>
-            </a:extLst>
-          </p:cNvPr>
-          <p:cNvSpPr/>
-          <p:nvPr/>
-        </p:nvSpPr>
-        <p:spPr>
-          <a:xfrm>
-            <a:off x="2213742" y="1175673"/>
-            <a:ext cx="2265598" cy="1920554"/>
-          </a:xfrm>
-          <a:prstGeom prst="rect">
-            <a:avLst/>
-          </a:prstGeom>
-          <a:noFill/>
-        </p:spPr>
-        <p:style>
-          <a:lnRef idx="2">
-            <a:schemeClr val="accent1">
-              <a:shade val="50000"/>
-            </a:schemeClr>
-          </a:lnRef>
-          <a:fillRef idx="1">
-            <a:schemeClr val="accent1"/>
-          </a:fillRef>
-          <a:effectRef idx="0">
-            <a:schemeClr val="accent1"/>
-          </a:effectRef>
-          <a:fontRef idx="minor">
-            <a:schemeClr val="lt1"/>
-          </a:fontRef>
-        </p:style>
-        <p:txBody>
-          <a:bodyPr rtlCol="0" anchor="ctr"/>
-          <a:lstStyle/>
-          <a:p>
-            <a:pPr algn="ctr"/>
-            <a:endParaRPr lang="zh-TW" altLang="en-US"/>
-          </a:p>
-        </p:txBody>
-      </p:sp>
-      <p:sp>
-        <p:nvSpPr>
-          <p:cNvPr id="75" name="文字方塊 74">
-            <a:extLst>
-              <a:ext uri="{FF2B5EF4-FFF2-40B4-BE49-F238E27FC236}">
-                <a16:creationId xmlns:a16="http://schemas.microsoft.com/office/drawing/2014/main" id="{FB67B1A7-1171-4180-B9CC-66EE5ECE55E4}"/>
-              </a:ext>
-            </a:extLst>
-          </p:cNvPr>
-          <p:cNvSpPr txBox="1"/>
-          <p:nvPr/>
-        </p:nvSpPr>
-        <p:spPr>
-          <a:xfrm>
-            <a:off x="3533118" y="3259722"/>
-            <a:ext cx="1044000" cy="338554"/>
-          </a:xfrm>
-          <a:prstGeom prst="rect">
-            <a:avLst/>
-          </a:prstGeom>
-          <a:noFill/>
-        </p:spPr>
-        <p:txBody>
-          <a:bodyPr wrap="square" rtlCol="0">
-            <a:spAutoFit/>
-          </a:bodyPr>
-          <a:lstStyle/>
-          <a:p>
-            <a:pPr algn="r"/>
-            <a:r>
-              <a:rPr lang="en-US" altLang="zh-TW" sz="1600" dirty="0">
-                <a:latin typeface="Yu Gothic Medium" panose="020B0500000000000000" pitchFamily="34" charset="-128"/>
-                <a:ea typeface="Yu Gothic Medium" panose="020B0500000000000000" pitchFamily="34" charset="-128"/>
-              </a:rPr>
-              <a:t>$500</a:t>
+              <a:t>這是花瓶</a:t>
             </a:r>
           </a:p>
         </p:txBody>
       </p:sp>
       <p:grpSp>
         <p:nvGrpSpPr>
-          <p:cNvPr id="78" name="群組 77">
-            <a:extLst>
-              <a:ext uri="{FF2B5EF4-FFF2-40B4-BE49-F238E27FC236}">
-                <a16:creationId xmlns:a16="http://schemas.microsoft.com/office/drawing/2014/main" id="{9DEBE24C-3D83-420C-99E0-8F4EDA1BD447}"/>
+          <p:cNvPr id="64" name="群組 63">
+            <a:extLst>
+              <a:ext uri="{FF2B5EF4-FFF2-40B4-BE49-F238E27FC236}">
+                <a16:creationId xmlns:a16="http://schemas.microsoft.com/office/drawing/2014/main" id="{48FF8E78-3E4B-48D8-8D03-CAE3D065F9B8}"/>
               </a:ext>
             </a:extLst>
           </p:cNvPr>
@@ -8814,7 +8456,7 @@
         </p:nvGrpSpPr>
         <p:grpSpPr>
           <a:xfrm>
-            <a:off x="2628678" y="4934993"/>
+            <a:off x="9006722" y="4158378"/>
             <a:ext cx="1435726" cy="394611"/>
             <a:chOff x="9006722" y="4158378"/>
             <a:chExt cx="1435726" cy="394611"/>
@@ -8822,10 +8464,10 @@
         </p:grpSpPr>
         <p:pic>
           <p:nvPicPr>
-            <p:cNvPr id="79" name="圖片 78">
+            <p:cNvPr id="65" name="圖片 64">
               <a:extLst>
                 <a:ext uri="{FF2B5EF4-FFF2-40B4-BE49-F238E27FC236}">
-                  <a16:creationId xmlns:a16="http://schemas.microsoft.com/office/drawing/2014/main" id="{DBE61686-8FFF-450A-9D49-F089DD7F63F5}"/>
+                  <a16:creationId xmlns:a16="http://schemas.microsoft.com/office/drawing/2014/main" id="{91EE1D19-28F3-4273-AEDB-38EA393B1A89}"/>
                 </a:ext>
               </a:extLst>
             </p:cNvPr>
@@ -8835,7 +8477,7 @@
             <p:nvPr/>
           </p:nvPicPr>
           <p:blipFill>
-            <a:blip r:embed="rId3" cstate="hqprint">
+            <a:blip r:embed="rId2" cstate="hqprint">
               <a:extLst>
                 <a:ext uri="{28A0092B-C50C-407E-A947-70E740481C1C}">
                   <a14:useLocalDpi xmlns:a14="http://schemas.microsoft.com/office/drawing/2010/main" val="0"/>
@@ -8858,10 +8500,10 @@
         </p:pic>
         <p:sp>
           <p:nvSpPr>
-            <p:cNvPr id="80" name="流程圖: 結束點 79">
+            <p:cNvPr id="66" name="流程圖: 結束點 65">
               <a:extLst>
                 <a:ext uri="{FF2B5EF4-FFF2-40B4-BE49-F238E27FC236}">
-                  <a16:creationId xmlns:a16="http://schemas.microsoft.com/office/drawing/2014/main" id="{265AE19A-8534-460C-B219-7FC38D1EB3CF}"/>
+                  <a16:creationId xmlns:a16="http://schemas.microsoft.com/office/drawing/2014/main" id="{EA233144-3A32-446B-887F-E8430E9336DB}"/>
                 </a:ext>
               </a:extLst>
             </p:cNvPr>
@@ -8916,10 +8558,10 @@
         </p:sp>
         <p:sp>
           <p:nvSpPr>
-            <p:cNvPr id="81" name="文字方塊 80">
+            <p:cNvPr id="68" name="文字方塊 67">
               <a:extLst>
                 <a:ext uri="{FF2B5EF4-FFF2-40B4-BE49-F238E27FC236}">
-                  <a16:creationId xmlns:a16="http://schemas.microsoft.com/office/drawing/2014/main" id="{9723A8AF-2974-41A2-9138-77090A98B237}"/>
+                  <a16:creationId xmlns:a16="http://schemas.microsoft.com/office/drawing/2014/main" id="{1E312127-BF85-46B6-A39C-9E21887C6A11}"/>
                 </a:ext>
               </a:extLst>
             </p:cNvPr>
@@ -8953,56 +8595,6 @@
           </p:txBody>
         </p:sp>
       </p:grpSp>
-      <p:sp>
-        <p:nvSpPr>
-          <p:cNvPr id="84" name="文字方塊 83">
-            <a:extLst>
-              <a:ext uri="{FF2B5EF4-FFF2-40B4-BE49-F238E27FC236}">
-                <a16:creationId xmlns:a16="http://schemas.microsoft.com/office/drawing/2014/main" id="{CD01D90B-5BF0-4F3E-B310-E0ED9097B032}"/>
-              </a:ext>
-            </a:extLst>
-          </p:cNvPr>
-          <p:cNvSpPr txBox="1"/>
-          <p:nvPr/>
-        </p:nvSpPr>
-        <p:spPr>
-          <a:xfrm>
-            <a:off x="2204456" y="3702803"/>
-            <a:ext cx="2265598" cy="1077218"/>
-          </a:xfrm>
-          <a:prstGeom prst="rect">
-            <a:avLst/>
-          </a:prstGeom>
-          <a:noFill/>
-        </p:spPr>
-        <p:txBody>
-          <a:bodyPr wrap="square" rtlCol="0">
-            <a:spAutoFit/>
-          </a:bodyPr>
-          <a:lstStyle/>
-          <a:p>
-            <a:pPr algn="ctr"/>
-            <a:r>
-              <a:rPr lang="zh-TW" altLang="en-US" sz="1600" dirty="0">
-                <a:latin typeface="Yu Gothic Medium" panose="020B0500000000000000" pitchFamily="34" charset="-128"/>
-                <a:ea typeface="Yu Gothic Medium" panose="020B0500000000000000" pitchFamily="34" charset="-128"/>
-              </a:rPr>
-              <a:t>商品資訊商品資訊商品資訊商品資訊商品資訊商品資訊</a:t>
-            </a:r>
-            <a:endParaRPr lang="en-US" altLang="zh-TW" sz="1600" dirty="0">
-              <a:latin typeface="Yu Gothic Medium" panose="020B0500000000000000" pitchFamily="34" charset="-128"/>
-              <a:ea typeface="Yu Gothic Medium" panose="020B0500000000000000" pitchFamily="34" charset="-128"/>
-            </a:endParaRPr>
-          </a:p>
-          <a:p>
-            <a:pPr algn="ctr"/>
-            <a:endParaRPr lang="en-US" altLang="zh-TW" sz="1600" dirty="0">
-              <a:latin typeface="Yu Gothic Medium" panose="020B0500000000000000" pitchFamily="34" charset="-128"/>
-              <a:ea typeface="Yu Gothic Medium" panose="020B0500000000000000" pitchFamily="34" charset="-128"/>
-            </a:endParaRPr>
-          </a:p>
-        </p:txBody>
-      </p:sp>
     </p:spTree>
     <p:extLst>
       <p:ext uri="{BB962C8B-B14F-4D97-AF65-F5344CB8AC3E}">
@@ -9025,9 +8617,6 @@
                     <p:cTn id="3" fill="hold">
                       <p:stCondLst>
                         <p:cond delay="indefinite"/>
-                        <p:cond evt="onBegin" delay="0">
-                          <p:tn val="2"/>
-                        </p:cond>
                       </p:stCondLst>
                       <p:childTnLst>
                         <p:par>
@@ -9037,7 +8626,7 @@
                             </p:stCondLst>
                             <p:childTnLst>
                               <p:par>
-                                <p:cTn id="5" presetID="10" presetClass="entr" presetSubtype="0" fill="hold" grpId="0" nodeType="withEffect">
+                                <p:cTn id="5" presetID="10" presetClass="entr" presetSubtype="0" fill="hold" grpId="0" nodeType="clickEffect">
                                   <p:stCondLst>
                                     <p:cond delay="0"/>
                                   </p:stCondLst>
@@ -9050,7 +8639,7 @@
                                           </p:stCondLst>
                                         </p:cTn>
                                         <p:tgtEl>
-                                          <p:spTgt spid="10"/>
+                                          <p:spTgt spid="40"/>
                                         </p:tgtEl>
                                         <p:attrNameLst>
                                           <p:attrName>style.visibility</p:attrName>
@@ -9064,37 +8653,28 @@
                                       <p:cBhvr>
                                         <p:cTn id="7" dur="500"/>
                                         <p:tgtEl>
-                                          <p:spTgt spid="10"/>
+                                          <p:spTgt spid="40"/>
                                         </p:tgtEl>
                                       </p:cBhvr>
                                     </p:animEffect>
                                   </p:childTnLst>
                                 </p:cTn>
                               </p:par>
-                            </p:childTnLst>
-                          </p:cTn>
-                        </p:par>
-                        <p:par>
-                          <p:cTn id="8" fill="hold">
-                            <p:stCondLst>
-                              <p:cond delay="500"/>
-                            </p:stCondLst>
-                            <p:childTnLst>
                               <p:par>
-                                <p:cTn id="9" presetID="10" presetClass="entr" presetSubtype="0" fill="hold" grpId="0" nodeType="afterEffect">
+                                <p:cTn id="8" presetID="10" presetClass="entr" presetSubtype="0" fill="hold" grpId="0" nodeType="withEffect">
                                   <p:stCondLst>
                                     <p:cond delay="0"/>
                                   </p:stCondLst>
                                   <p:childTnLst>
                                     <p:set>
                                       <p:cBhvr>
-                                        <p:cTn id="10" dur="1" fill="hold">
+                                        <p:cTn id="9" dur="1" fill="hold">
                                           <p:stCondLst>
                                             <p:cond delay="0"/>
                                           </p:stCondLst>
                                         </p:cTn>
                                         <p:tgtEl>
-                                          <p:spTgt spid="13"/>
+                                          <p:spTgt spid="41"/>
                                         </p:tgtEl>
                                         <p:attrNameLst>
                                           <p:attrName>style.visibility</p:attrName>
@@ -9106,513 +8686,30 @@
                                     </p:set>
                                     <p:animEffect transition="in" filter="fade">
                                       <p:cBhvr>
-                                        <p:cTn id="11" dur="500"/>
-                                        <p:tgtEl>
-                                          <p:spTgt spid="13"/>
+                                        <p:cTn id="10" dur="500"/>
+                                        <p:tgtEl>
+                                          <p:spTgt spid="41"/>
                                         </p:tgtEl>
                                       </p:cBhvr>
                                     </p:animEffect>
                                   </p:childTnLst>
                                 </p:cTn>
                               </p:par>
-                            </p:childTnLst>
-                          </p:cTn>
-                        </p:par>
-                      </p:childTnLst>
-                    </p:cTn>
-                  </p:par>
-                  <p:par>
-                    <p:cTn id="12" fill="hold">
-                      <p:stCondLst>
-                        <p:cond delay="indefinite"/>
-                      </p:stCondLst>
-                      <p:childTnLst>
-                        <p:par>
-                          <p:cTn id="13" fill="hold">
-                            <p:stCondLst>
-                              <p:cond delay="0"/>
-                            </p:stCondLst>
-                            <p:childTnLst>
                               <p:par>
-                                <p:cTn id="14" presetID="10" presetClass="entr" presetSubtype="0" fill="hold" grpId="0" nodeType="clickEffect">
+                                <p:cTn id="11" presetID="1" presetClass="entr" presetSubtype="0" fill="hold" grpId="0" nodeType="withEffect">
                                   <p:stCondLst>
                                     <p:cond delay="0"/>
                                   </p:stCondLst>
                                   <p:childTnLst>
                                     <p:set>
                                       <p:cBhvr>
-                                        <p:cTn id="15" dur="1" fill="hold">
+                                        <p:cTn id="12" dur="1" fill="hold">
                                           <p:stCondLst>
                                             <p:cond delay="0"/>
                                           </p:stCondLst>
                                         </p:cTn>
                                         <p:tgtEl>
-                                          <p:spTgt spid="62"/>
-                                        </p:tgtEl>
-                                        <p:attrNameLst>
-                                          <p:attrName>style.visibility</p:attrName>
-                                        </p:attrNameLst>
-                                      </p:cBhvr>
-                                      <p:to>
-                                        <p:strVal val="visible"/>
-                                      </p:to>
-                                    </p:set>
-                                    <p:animEffect transition="in" filter="fade">
-                                      <p:cBhvr>
-                                        <p:cTn id="16" dur="500"/>
-                                        <p:tgtEl>
-                                          <p:spTgt spid="62"/>
-                                        </p:tgtEl>
-                                      </p:cBhvr>
-                                    </p:animEffect>
-                                  </p:childTnLst>
-                                </p:cTn>
-                              </p:par>
-                              <p:par>
-                                <p:cTn id="17" presetID="10" presetClass="entr" presetSubtype="0" fill="hold" grpId="0" nodeType="withEffect">
-                                  <p:stCondLst>
-                                    <p:cond delay="0"/>
-                                  </p:stCondLst>
-                                  <p:childTnLst>
-                                    <p:set>
-                                      <p:cBhvr>
-                                        <p:cTn id="18" dur="1" fill="hold">
-                                          <p:stCondLst>
-                                            <p:cond delay="0"/>
-                                          </p:stCondLst>
-                                        </p:cTn>
-                                        <p:tgtEl>
-                                          <p:spTgt spid="60"/>
-                                        </p:tgtEl>
-                                        <p:attrNameLst>
-                                          <p:attrName>style.visibility</p:attrName>
-                                        </p:attrNameLst>
-                                      </p:cBhvr>
-                                      <p:to>
-                                        <p:strVal val="visible"/>
-                                      </p:to>
-                                    </p:set>
-                                    <p:animEffect transition="in" filter="fade">
-                                      <p:cBhvr>
-                                        <p:cTn id="19" dur="500"/>
-                                        <p:tgtEl>
-                                          <p:spTgt spid="60"/>
-                                        </p:tgtEl>
-                                      </p:cBhvr>
-                                    </p:animEffect>
-                                  </p:childTnLst>
-                                </p:cTn>
-                              </p:par>
-                              <p:par>
-                                <p:cTn id="20" presetID="10" presetClass="entr" presetSubtype="0" fill="hold" grpId="0" nodeType="withEffect">
-                                  <p:stCondLst>
-                                    <p:cond delay="0"/>
-                                  </p:stCondLst>
-                                  <p:childTnLst>
-                                    <p:set>
-                                      <p:cBhvr>
-                                        <p:cTn id="21" dur="1" fill="hold">
-                                          <p:stCondLst>
-                                            <p:cond delay="0"/>
-                                          </p:stCondLst>
-                                        </p:cTn>
-                                        <p:tgtEl>
-                                          <p:spTgt spid="61"/>
-                                        </p:tgtEl>
-                                        <p:attrNameLst>
-                                          <p:attrName>style.visibility</p:attrName>
-                                        </p:attrNameLst>
-                                      </p:cBhvr>
-                                      <p:to>
-                                        <p:strVal val="visible"/>
-                                      </p:to>
-                                    </p:set>
-                                    <p:animEffect transition="in" filter="fade">
-                                      <p:cBhvr>
-                                        <p:cTn id="22" dur="500"/>
-                                        <p:tgtEl>
-                                          <p:spTgt spid="61"/>
-                                        </p:tgtEl>
-                                      </p:cBhvr>
-                                    </p:animEffect>
-                                  </p:childTnLst>
-                                </p:cTn>
-                              </p:par>
-                            </p:childTnLst>
-                          </p:cTn>
-                        </p:par>
-                        <p:par>
-                          <p:cTn id="23" fill="hold">
-                            <p:stCondLst>
-                              <p:cond delay="500"/>
-                            </p:stCondLst>
-                            <p:childTnLst>
-                              <p:par>
-                                <p:cTn id="24" presetID="10" presetClass="entr" presetSubtype="0" fill="hold" grpId="0" nodeType="afterEffect">
-                                  <p:stCondLst>
-                                    <p:cond delay="0"/>
-                                  </p:stCondLst>
-                                  <p:childTnLst>
-                                    <p:set>
-                                      <p:cBhvr>
-                                        <p:cTn id="25" dur="1" fill="hold">
-                                          <p:stCondLst>
-                                            <p:cond delay="0"/>
-                                          </p:stCondLst>
-                                        </p:cTn>
-                                        <p:tgtEl>
-                                          <p:spTgt spid="67"/>
-                                        </p:tgtEl>
-                                        <p:attrNameLst>
-                                          <p:attrName>style.visibility</p:attrName>
-                                        </p:attrNameLst>
-                                      </p:cBhvr>
-                                      <p:to>
-                                        <p:strVal val="visible"/>
-                                      </p:to>
-                                    </p:set>
-                                    <p:animEffect transition="in" filter="fade">
-                                      <p:cBhvr>
-                                        <p:cTn id="26" dur="500"/>
-                                        <p:tgtEl>
-                                          <p:spTgt spid="67"/>
-                                        </p:tgtEl>
-                                      </p:cBhvr>
-                                    </p:animEffect>
-                                  </p:childTnLst>
-                                </p:cTn>
-                              </p:par>
-                            </p:childTnLst>
-                          </p:cTn>
-                        </p:par>
-                      </p:childTnLst>
-                    </p:cTn>
-                  </p:par>
-                  <p:par>
-                    <p:cTn id="27" fill="hold">
-                      <p:stCondLst>
-                        <p:cond delay="indefinite"/>
-                      </p:stCondLst>
-                      <p:childTnLst>
-                        <p:par>
-                          <p:cTn id="28" fill="hold">
-                            <p:stCondLst>
-                              <p:cond delay="0"/>
-                            </p:stCondLst>
-                            <p:childTnLst>
-                              <p:par>
-                                <p:cTn id="29" presetID="10" presetClass="entr" presetSubtype="0" fill="hold" grpId="0" nodeType="clickEffect">
-                                  <p:stCondLst>
-                                    <p:cond delay="0"/>
-                                  </p:stCondLst>
-                                  <p:childTnLst>
-                                    <p:set>
-                                      <p:cBhvr>
-                                        <p:cTn id="30" dur="1" fill="hold">
-                                          <p:stCondLst>
-                                            <p:cond delay="0"/>
-                                          </p:stCondLst>
-                                        </p:cTn>
-                                        <p:tgtEl>
-                                          <p:spTgt spid="6"/>
-                                        </p:tgtEl>
-                                        <p:attrNameLst>
-                                          <p:attrName>style.visibility</p:attrName>
-                                        </p:attrNameLst>
-                                      </p:cBhvr>
-                                      <p:to>
-                                        <p:strVal val="visible"/>
-                                      </p:to>
-                                    </p:set>
-                                    <p:animEffect transition="in" filter="fade">
-                                      <p:cBhvr>
-                                        <p:cTn id="31" dur="500"/>
-                                        <p:tgtEl>
-                                          <p:spTgt spid="6"/>
-                                        </p:tgtEl>
-                                      </p:cBhvr>
-                                    </p:animEffect>
-                                  </p:childTnLst>
-                                </p:cTn>
-                              </p:par>
-                              <p:par>
-                                <p:cTn id="32" presetID="10" presetClass="entr" presetSubtype="0" fill="hold" grpId="0" nodeType="withEffect">
-                                  <p:stCondLst>
-                                    <p:cond delay="0"/>
-                                  </p:stCondLst>
-                                  <p:childTnLst>
-                                    <p:set>
-                                      <p:cBhvr>
-                                        <p:cTn id="33" dur="1" fill="hold">
-                                          <p:stCondLst>
-                                            <p:cond delay="0"/>
-                                          </p:stCondLst>
-                                        </p:cTn>
-                                        <p:tgtEl>
-                                          <p:spTgt spid="69"/>
-                                        </p:tgtEl>
-                                        <p:attrNameLst>
-                                          <p:attrName>style.visibility</p:attrName>
-                                        </p:attrNameLst>
-                                      </p:cBhvr>
-                                      <p:to>
-                                        <p:strVal val="visible"/>
-                                      </p:to>
-                                    </p:set>
-                                    <p:animEffect transition="in" filter="fade">
-                                      <p:cBhvr>
-                                        <p:cTn id="34" dur="500"/>
-                                        <p:tgtEl>
-                                          <p:spTgt spid="69"/>
-                                        </p:tgtEl>
-                                      </p:cBhvr>
-                                    </p:animEffect>
-                                  </p:childTnLst>
-                                </p:cTn>
-                              </p:par>
-                              <p:par>
-                                <p:cTn id="35" presetID="10" presetClass="entr" presetSubtype="0" fill="hold" grpId="0" nodeType="withEffect">
-                                  <p:stCondLst>
-                                    <p:cond delay="0"/>
-                                  </p:stCondLst>
-                                  <p:childTnLst>
-                                    <p:set>
-                                      <p:cBhvr>
-                                        <p:cTn id="36" dur="1" fill="hold">
-                                          <p:stCondLst>
-                                            <p:cond delay="0"/>
-                                          </p:stCondLst>
-                                        </p:cTn>
-                                        <p:tgtEl>
-                                          <p:spTgt spid="75"/>
-                                        </p:tgtEl>
-                                        <p:attrNameLst>
-                                          <p:attrName>style.visibility</p:attrName>
-                                        </p:attrNameLst>
-                                      </p:cBhvr>
-                                      <p:to>
-                                        <p:strVal val="visible"/>
-                                      </p:to>
-                                    </p:set>
-                                    <p:animEffect transition="in" filter="fade">
-                                      <p:cBhvr>
-                                        <p:cTn id="37" dur="500"/>
-                                        <p:tgtEl>
-                                          <p:spTgt spid="75"/>
-                                        </p:tgtEl>
-                                      </p:cBhvr>
-                                    </p:animEffect>
-                                  </p:childTnLst>
-                                </p:cTn>
-                              </p:par>
-                              <p:par>
-                                <p:cTn id="38" presetID="10" presetClass="entr" presetSubtype="0" fill="hold" grpId="0" nodeType="withEffect">
-                                  <p:stCondLst>
-                                    <p:cond delay="0"/>
-                                  </p:stCondLst>
-                                  <p:childTnLst>
-                                    <p:set>
-                                      <p:cBhvr>
-                                        <p:cTn id="39" dur="1" fill="hold">
-                                          <p:stCondLst>
-                                            <p:cond delay="0"/>
-                                          </p:stCondLst>
-                                        </p:cTn>
-                                        <p:tgtEl>
-                                          <p:spTgt spid="71"/>
-                                        </p:tgtEl>
-                                        <p:attrNameLst>
-                                          <p:attrName>style.visibility</p:attrName>
-                                        </p:attrNameLst>
-                                      </p:cBhvr>
-                                      <p:to>
-                                        <p:strVal val="visible"/>
-                                      </p:to>
-                                    </p:set>
-                                    <p:animEffect transition="in" filter="fade">
-                                      <p:cBhvr>
-                                        <p:cTn id="40" dur="500"/>
-                                        <p:tgtEl>
-                                          <p:spTgt spid="71"/>
-                                        </p:tgtEl>
-                                      </p:cBhvr>
-                                    </p:animEffect>
-                                  </p:childTnLst>
-                                </p:cTn>
-                              </p:par>
-                              <p:par>
-                                <p:cTn id="41" presetID="10" presetClass="entr" presetSubtype="0" fill="hold" nodeType="withEffect">
-                                  <p:stCondLst>
-                                    <p:cond delay="0"/>
-                                  </p:stCondLst>
-                                  <p:childTnLst>
-                                    <p:set>
-                                      <p:cBhvr>
-                                        <p:cTn id="42" dur="1" fill="hold">
-                                          <p:stCondLst>
-                                            <p:cond delay="0"/>
-                                          </p:stCondLst>
-                                        </p:cTn>
-                                        <p:tgtEl>
-                                          <p:spTgt spid="78"/>
-                                        </p:tgtEl>
-                                        <p:attrNameLst>
-                                          <p:attrName>style.visibility</p:attrName>
-                                        </p:attrNameLst>
-                                      </p:cBhvr>
-                                      <p:to>
-                                        <p:strVal val="visible"/>
-                                      </p:to>
-                                    </p:set>
-                                    <p:animEffect transition="in" filter="fade">
-                                      <p:cBhvr>
-                                        <p:cTn id="43" dur="500"/>
-                                        <p:tgtEl>
-                                          <p:spTgt spid="78"/>
-                                        </p:tgtEl>
-                                      </p:cBhvr>
-                                    </p:animEffect>
-                                  </p:childTnLst>
-                                </p:cTn>
-                              </p:par>
-                              <p:par>
-                                <p:cTn id="44" presetID="10" presetClass="entr" presetSubtype="0" fill="hold" grpId="0" nodeType="withEffect">
-                                  <p:stCondLst>
-                                    <p:cond delay="0"/>
-                                  </p:stCondLst>
-                                  <p:childTnLst>
-                                    <p:set>
-                                      <p:cBhvr>
-                                        <p:cTn id="45" dur="1" fill="hold">
-                                          <p:stCondLst>
-                                            <p:cond delay="0"/>
-                                          </p:stCondLst>
-                                        </p:cTn>
-                                        <p:tgtEl>
-                                          <p:spTgt spid="84"/>
-                                        </p:tgtEl>
-                                        <p:attrNameLst>
-                                          <p:attrName>style.visibility</p:attrName>
-                                        </p:attrNameLst>
-                                      </p:cBhvr>
-                                      <p:to>
-                                        <p:strVal val="visible"/>
-                                      </p:to>
-                                    </p:set>
-                                    <p:animEffect transition="in" filter="fade">
-                                      <p:cBhvr>
-                                        <p:cTn id="46" dur="500"/>
-                                        <p:tgtEl>
-                                          <p:spTgt spid="84"/>
-                                        </p:tgtEl>
-                                      </p:cBhvr>
-                                    </p:animEffect>
-                                  </p:childTnLst>
-                                </p:cTn>
-                              </p:par>
-                            </p:childTnLst>
-                          </p:cTn>
-                        </p:par>
-                      </p:childTnLst>
-                    </p:cTn>
-                  </p:par>
-                  <p:par>
-                    <p:cTn id="47" fill="hold">
-                      <p:stCondLst>
-                        <p:cond delay="indefinite"/>
-                      </p:stCondLst>
-                      <p:childTnLst>
-                        <p:par>
-                          <p:cTn id="48" fill="hold">
-                            <p:stCondLst>
-                              <p:cond delay="0"/>
-                            </p:stCondLst>
-                            <p:childTnLst>
-                              <p:par>
-                                <p:cTn id="49" presetID="10" presetClass="entr" presetSubtype="0" fill="hold" grpId="0" nodeType="clickEffect">
-                                  <p:stCondLst>
-                                    <p:cond delay="0"/>
-                                  </p:stCondLst>
-                                  <p:childTnLst>
-                                    <p:set>
-                                      <p:cBhvr>
-                                        <p:cTn id="50" dur="1" fill="hold">
-                                          <p:stCondLst>
-                                            <p:cond delay="0"/>
-                                          </p:stCondLst>
-                                        </p:cTn>
-                                        <p:tgtEl>
-                                          <p:spTgt spid="50"/>
-                                        </p:tgtEl>
-                                        <p:attrNameLst>
-                                          <p:attrName>style.visibility</p:attrName>
-                                        </p:attrNameLst>
-                                      </p:cBhvr>
-                                      <p:to>
-                                        <p:strVal val="visible"/>
-                                      </p:to>
-                                    </p:set>
-                                    <p:animEffect transition="in" filter="fade">
-                                      <p:cBhvr>
-                                        <p:cTn id="51" dur="500"/>
-                                        <p:tgtEl>
-                                          <p:spTgt spid="50"/>
-                                        </p:tgtEl>
-                                      </p:cBhvr>
-                                    </p:animEffect>
-                                  </p:childTnLst>
-                                </p:cTn>
-                              </p:par>
-                              <p:par>
-                                <p:cTn id="52" presetID="10" presetClass="entr" presetSubtype="0" fill="hold" grpId="0" nodeType="withEffect">
-                                  <p:stCondLst>
-                                    <p:cond delay="0"/>
-                                  </p:stCondLst>
-                                  <p:childTnLst>
-                                    <p:set>
-                                      <p:cBhvr>
-                                        <p:cTn id="53" dur="1" fill="hold">
-                                          <p:stCondLst>
-                                            <p:cond delay="0"/>
-                                          </p:stCondLst>
-                                        </p:cTn>
-                                        <p:tgtEl>
-                                          <p:spTgt spid="51"/>
-                                        </p:tgtEl>
-                                        <p:attrNameLst>
-                                          <p:attrName>style.visibility</p:attrName>
-                                        </p:attrNameLst>
-                                      </p:cBhvr>
-                                      <p:to>
-                                        <p:strVal val="visible"/>
-                                      </p:to>
-                                    </p:set>
-                                    <p:animEffect transition="in" filter="fade">
-                                      <p:cBhvr>
-                                        <p:cTn id="54" dur="500"/>
-                                        <p:tgtEl>
-                                          <p:spTgt spid="51"/>
-                                        </p:tgtEl>
-                                      </p:cBhvr>
-                                    </p:animEffect>
-                                  </p:childTnLst>
-                                </p:cTn>
-                              </p:par>
-                              <p:par>
-                                <p:cTn id="55" presetID="1" presetClass="entr" presetSubtype="0" fill="hold" grpId="0" nodeType="withEffect">
-                                  <p:stCondLst>
-                                    <p:cond delay="0"/>
-                                  </p:stCondLst>
-                                  <p:childTnLst>
-                                    <p:set>
-                                      <p:cBhvr>
-                                        <p:cTn id="56" dur="1" fill="hold">
-                                          <p:stCondLst>
-                                            <p:cond delay="0"/>
-                                          </p:stCondLst>
-                                        </p:cTn>
-                                        <p:tgtEl>
-                                          <p:spTgt spid="57"/>
+                                          <p:spTgt spid="46"/>
                                         </p:tgtEl>
                                         <p:attrNameLst>
                                           <p:attrName>style.visibility</p:attrName>
@@ -9626,20 +8723,20 @@
                                 </p:cTn>
                               </p:par>
                               <p:par>
-                                <p:cTn id="57" presetID="1" presetClass="entr" presetSubtype="0" fill="hold" grpId="0" nodeType="withEffect">
+                                <p:cTn id="13" presetID="1" presetClass="entr" presetSubtype="0" fill="hold" grpId="0" nodeType="withEffect">
                                   <p:stCondLst>
                                     <p:cond delay="0"/>
                                   </p:stCondLst>
                                   <p:childTnLst>
                                     <p:set>
                                       <p:cBhvr>
-                                        <p:cTn id="58" dur="1" fill="hold">
+                                        <p:cTn id="14" dur="1" fill="hold">
                                           <p:stCondLst>
                                             <p:cond delay="0"/>
                                           </p:stCondLst>
                                         </p:cTn>
                                         <p:tgtEl>
-                                          <p:spTgt spid="56"/>
+                                          <p:spTgt spid="45"/>
                                         </p:tgtEl>
                                         <p:attrNameLst>
                                           <p:attrName>style.visibility</p:attrName>
@@ -9653,20 +8750,20 @@
                                 </p:cTn>
                               </p:par>
                               <p:par>
-                                <p:cTn id="59" presetID="1" presetClass="entr" presetSubtype="0" fill="hold" grpId="0" nodeType="withEffect">
+                                <p:cTn id="15" presetID="1" presetClass="entr" presetSubtype="0" fill="hold" grpId="0" nodeType="withEffect">
                                   <p:stCondLst>
                                     <p:cond delay="0"/>
                                   </p:stCondLst>
                                   <p:childTnLst>
                                     <p:set>
                                       <p:cBhvr>
-                                        <p:cTn id="60" dur="1" fill="hold">
+                                        <p:cTn id="16" dur="1" fill="hold">
                                           <p:stCondLst>
                                             <p:cond delay="0"/>
                                           </p:stCondLst>
                                         </p:cTn>
                                         <p:tgtEl>
-                                          <p:spTgt spid="54"/>
+                                          <p:spTgt spid="44"/>
                                         </p:tgtEl>
                                         <p:attrNameLst>
                                           <p:attrName>style.visibility</p:attrName>
@@ -9680,20 +8777,20 @@
                                 </p:cTn>
                               </p:par>
                               <p:par>
-                                <p:cTn id="61" presetID="1" presetClass="entr" presetSubtype="0" fill="hold" grpId="0" nodeType="withEffect">
+                                <p:cTn id="17" presetID="1" presetClass="entr" presetSubtype="0" fill="hold" grpId="0" nodeType="withEffect">
                                   <p:stCondLst>
                                     <p:cond delay="0"/>
                                   </p:stCondLst>
                                   <p:childTnLst>
                                     <p:set>
                                       <p:cBhvr>
-                                        <p:cTn id="62" dur="1" fill="hold">
+                                        <p:cTn id="18" dur="1" fill="hold">
                                           <p:stCondLst>
                                             <p:cond delay="0"/>
                                           </p:stCondLst>
                                         </p:cTn>
                                         <p:tgtEl>
-                                          <p:spTgt spid="53"/>
+                                          <p:spTgt spid="43"/>
                                         </p:tgtEl>
                                         <p:attrNameLst>
                                           <p:attrName>style.visibility</p:attrName>
@@ -9707,20 +8804,20 @@
                                 </p:cTn>
                               </p:par>
                               <p:par>
-                                <p:cTn id="63" presetID="1" presetClass="entr" presetSubtype="0" fill="hold" grpId="0" nodeType="withEffect">
+                                <p:cTn id="19" presetID="1" presetClass="entr" presetSubtype="0" fill="hold" grpId="0" nodeType="withEffect">
                                   <p:stCondLst>
                                     <p:cond delay="0"/>
                                   </p:stCondLst>
                                   <p:childTnLst>
                                     <p:set>
                                       <p:cBhvr>
-                                        <p:cTn id="64" dur="1" fill="hold">
+                                        <p:cTn id="20" dur="1" fill="hold">
                                           <p:stCondLst>
                                             <p:cond delay="0"/>
                                           </p:stCondLst>
                                         </p:cTn>
                                         <p:tgtEl>
-                                          <p:spTgt spid="52"/>
+                                          <p:spTgt spid="42"/>
                                         </p:tgtEl>
                                         <p:attrNameLst>
                                           <p:attrName>style.visibility</p:attrName>
@@ -9737,26 +8834,26 @@
                           </p:cTn>
                         </p:par>
                         <p:par>
-                          <p:cTn id="65" fill="hold">
+                          <p:cTn id="21" fill="hold">
                             <p:stCondLst>
                               <p:cond delay="500"/>
                             </p:stCondLst>
                             <p:childTnLst>
                               <p:par>
-                                <p:cTn id="66" presetID="10" presetClass="entr" presetSubtype="0" fill="hold" grpId="0" nodeType="afterEffect">
+                                <p:cTn id="22" presetID="10" presetClass="entr" presetSubtype="0" fill="hold" grpId="0" nodeType="afterEffect">
                                   <p:stCondLst>
                                     <p:cond delay="0"/>
                                   </p:stCondLst>
                                   <p:childTnLst>
                                     <p:set>
                                       <p:cBhvr>
-                                        <p:cTn id="67" dur="1" fill="hold">
+                                        <p:cTn id="23" dur="1" fill="hold">
                                           <p:stCondLst>
                                             <p:cond delay="0"/>
                                           </p:stCondLst>
                                         </p:cTn>
                                         <p:tgtEl>
-                                          <p:spTgt spid="58"/>
+                                          <p:spTgt spid="47"/>
                                         </p:tgtEl>
                                         <p:attrNameLst>
                                           <p:attrName>style.visibility</p:attrName>
@@ -9768,9 +8865,9 @@
                                     </p:set>
                                     <p:animEffect transition="in" filter="fade">
                                       <p:cBhvr>
-                                        <p:cTn id="68" dur="500"/>
-                                        <p:tgtEl>
-                                          <p:spTgt spid="58"/>
+                                        <p:cTn id="24" dur="500"/>
+                                        <p:tgtEl>
+                                          <p:spTgt spid="47"/>
                                         </p:tgtEl>
                                       </p:cBhvr>
                                     </p:animEffect>
@@ -9805,25 +8902,14 @@
       </p:par>
     </p:tnLst>
     <p:bldLst>
-      <p:bldP spid="10" grpId="0" animBg="1"/>
-      <p:bldP spid="13" grpId="0"/>
-      <p:bldP spid="50" grpId="0" animBg="1"/>
-      <p:bldP spid="51" grpId="0" animBg="1"/>
-      <p:bldP spid="52" grpId="0" animBg="1"/>
-      <p:bldP spid="53" grpId="0" animBg="1"/>
-      <p:bldP spid="54" grpId="0" animBg="1"/>
-      <p:bldP spid="56" grpId="0" animBg="1"/>
-      <p:bldP spid="57" grpId="0" animBg="1"/>
-      <p:bldP spid="58" grpId="0"/>
-      <p:bldP spid="60" grpId="0"/>
-      <p:bldP spid="61" grpId="0" animBg="1"/>
-      <p:bldP spid="62" grpId="0"/>
-      <p:bldP spid="67" grpId="0"/>
-      <p:bldP spid="6" grpId="0" animBg="1"/>
-      <p:bldP spid="69" grpId="0"/>
-      <p:bldP spid="71" grpId="0" animBg="1"/>
-      <p:bldP spid="75" grpId="0"/>
-      <p:bldP spid="84" grpId="0"/>
+      <p:bldP spid="40" grpId="0" animBg="1"/>
+      <p:bldP spid="41" grpId="0" animBg="1"/>
+      <p:bldP spid="42" grpId="0" animBg="1"/>
+      <p:bldP spid="43" grpId="0" animBg="1"/>
+      <p:bldP spid="44" grpId="0" animBg="1"/>
+      <p:bldP spid="45" grpId="0" animBg="1"/>
+      <p:bldP spid="46" grpId="0" animBg="1"/>
+      <p:bldP spid="47" grpId="0"/>
     </p:bldLst>
   </p:timing>
 </p:sld>
@@ -10544,10 +9630,10 @@
       </p:sp>
       <p:sp>
         <p:nvSpPr>
-          <p:cNvPr id="74" name="矩形 73">
-            <a:extLst>
-              <a:ext uri="{FF2B5EF4-FFF2-40B4-BE49-F238E27FC236}">
-                <a16:creationId xmlns:a16="http://schemas.microsoft.com/office/drawing/2014/main" id="{FFBB9289-CE4D-4836-8134-06E2057FF6A5}"/>
+          <p:cNvPr id="22" name="矩形 21">
+            <a:extLst>
+              <a:ext uri="{FF2B5EF4-FFF2-40B4-BE49-F238E27FC236}">
+                <a16:creationId xmlns:a16="http://schemas.microsoft.com/office/drawing/2014/main" id="{9817BA10-ECA8-44CD-8E82-F9EDF2FD209E}"/>
               </a:ext>
             </a:extLst>
           </p:cNvPr>
@@ -10556,7 +9642,7 @@
         </p:nvSpPr>
         <p:spPr>
           <a:xfrm>
-            <a:off x="1547003" y="386122"/>
+            <a:off x="1541367" y="386122"/>
             <a:ext cx="3600000" cy="6085755"/>
           </a:xfrm>
           <a:prstGeom prst="rect">
@@ -10564,7 +9650,7 @@
           </a:prstGeom>
           <a:solidFill>
             <a:schemeClr val="bg1">
-              <a:lumMod val="75000"/>
+              <a:lumMod val="95000"/>
             </a:schemeClr>
           </a:solidFill>
           <a:ln w="28575">
@@ -10594,16 +9680,76 @@
           <a:lstStyle/>
           <a:p>
             <a:pPr algn="ctr"/>
+            <a:endParaRPr lang="zh-TW" altLang="en-US" dirty="0">
+              <a:solidFill>
+                <a:schemeClr val="tx1"/>
+              </a:solidFill>
+              <a:latin typeface="Yu Gothic UI Semibold" panose="020B0700000000000000" pitchFamily="34" charset="-128"/>
+              <a:ea typeface="Yu Gothic UI Semibold" panose="020B0700000000000000" pitchFamily="34" charset="-128"/>
+            </a:endParaRPr>
+          </a:p>
+        </p:txBody>
+      </p:sp>
+      <p:sp>
+        <p:nvSpPr>
+          <p:cNvPr id="23" name="箭號: 向左 22">
+            <a:extLst>
+              <a:ext uri="{FF2B5EF4-FFF2-40B4-BE49-F238E27FC236}">
+                <a16:creationId xmlns:a16="http://schemas.microsoft.com/office/drawing/2014/main" id="{178ECDEC-DC18-4869-8DA6-DB0AD1DA5313}"/>
+              </a:ext>
+            </a:extLst>
+          </p:cNvPr>
+          <p:cNvSpPr/>
+          <p:nvPr/>
+        </p:nvSpPr>
+        <p:spPr>
+          <a:xfrm>
+            <a:off x="1746504" y="594360"/>
+            <a:ext cx="347472" cy="137160"/>
+          </a:xfrm>
+          <a:prstGeom prst="leftArrow">
+            <a:avLst/>
+          </a:prstGeom>
+          <a:solidFill>
+            <a:schemeClr val="tx1"/>
+          </a:solidFill>
+          <a:ln>
+            <a:solidFill>
+              <a:schemeClr val="tx1"/>
+            </a:solidFill>
+          </a:ln>
+        </p:spPr>
+        <p:style>
+          <a:lnRef idx="2">
+            <a:schemeClr val="accent1">
+              <a:shade val="50000"/>
+            </a:schemeClr>
+          </a:lnRef>
+          <a:fillRef idx="1">
+            <a:schemeClr val="accent1"/>
+          </a:fillRef>
+          <a:effectRef idx="0">
+            <a:schemeClr val="accent1"/>
+          </a:effectRef>
+          <a:fontRef idx="minor">
+            <a:schemeClr val="lt1"/>
+          </a:fontRef>
+        </p:style>
+        <p:txBody>
+          <a:bodyPr rtlCol="0" anchor="ctr"/>
+          <a:lstStyle/>
+          <a:p>
+            <a:pPr algn="ctr"/>
             <a:endParaRPr lang="zh-TW" altLang="en-US"/>
           </a:p>
         </p:txBody>
       </p:sp>
       <p:sp>
         <p:nvSpPr>
-          <p:cNvPr id="75" name="文字方塊 74">
-            <a:extLst>
-              <a:ext uri="{FF2B5EF4-FFF2-40B4-BE49-F238E27FC236}">
-                <a16:creationId xmlns:a16="http://schemas.microsoft.com/office/drawing/2014/main" id="{D2555AD8-2A3E-44DE-8796-6CE23943D144}"/>
+          <p:cNvPr id="24" name="文字方塊 23">
+            <a:extLst>
+              <a:ext uri="{FF2B5EF4-FFF2-40B4-BE49-F238E27FC236}">
+                <a16:creationId xmlns:a16="http://schemas.microsoft.com/office/drawing/2014/main" id="{FD9C6DE9-6CCC-447D-AF0B-573913AF2798}"/>
               </a:ext>
             </a:extLst>
           </p:cNvPr>
@@ -10612,8 +9758,8 @@
         </p:nvSpPr>
         <p:spPr>
           <a:xfrm>
-            <a:off x="2331340" y="1829529"/>
-            <a:ext cx="2031325" cy="369332"/>
+            <a:off x="5141367" y="493663"/>
+            <a:ext cx="1415772" cy="338554"/>
           </a:xfrm>
           <a:prstGeom prst="rect">
             <a:avLst/>
@@ -10626,167 +9772,6 @@
           </a:bodyPr>
           <a:lstStyle/>
           <a:p>
-            <a:r>
-              <a:rPr lang="zh-TW" altLang="en-US" dirty="0">
-                <a:latin typeface="Yu Gothic UI Semibold" panose="020B0700000000000000" pitchFamily="34" charset="-128"/>
-                <a:ea typeface="Yu Gothic UI Semibold" panose="020B0700000000000000" pitchFamily="34" charset="-128"/>
-              </a:rPr>
-              <a:t>當看到某一物品時</a:t>
-            </a:r>
-          </a:p>
-        </p:txBody>
-      </p:sp>
-      <p:sp>
-        <p:nvSpPr>
-          <p:cNvPr id="76" name="文字方塊 75">
-            <a:extLst>
-              <a:ext uri="{FF2B5EF4-FFF2-40B4-BE49-F238E27FC236}">
-                <a16:creationId xmlns:a16="http://schemas.microsoft.com/office/drawing/2014/main" id="{044D4DCD-BBD3-4028-959C-923187BBC0B3}"/>
-              </a:ext>
-            </a:extLst>
-          </p:cNvPr>
-          <p:cNvSpPr txBox="1"/>
-          <p:nvPr/>
-        </p:nvSpPr>
-        <p:spPr>
-          <a:xfrm>
-            <a:off x="3453611" y="2815715"/>
-            <a:ext cx="1588227" cy="1843426"/>
-          </a:xfrm>
-          <a:prstGeom prst="rect">
-            <a:avLst/>
-          </a:prstGeom>
-          <a:noFill/>
-          <a:ln>
-            <a:solidFill>
-              <a:schemeClr val="tx1"/>
-            </a:solidFill>
-            <a:prstDash val="dash"/>
-          </a:ln>
-        </p:spPr>
-        <p:txBody>
-          <a:bodyPr wrap="none" rtlCol="0">
-            <a:noAutofit/>
-          </a:bodyPr>
-          <a:lstStyle/>
-          <a:p>
-            <a:r>
-              <a:rPr lang="zh-TW" altLang="en-US" sz="1400" dirty="0">
-                <a:solidFill>
-                  <a:schemeClr val="accent1"/>
-                </a:solidFill>
-                <a:latin typeface="Yu Gothic Medium" panose="020B0500000000000000" pitchFamily="34" charset="-128"/>
-                <a:ea typeface="Yu Gothic Medium" panose="020B0500000000000000" pitchFamily="34" charset="-128"/>
-              </a:rPr>
-              <a:t>物品名稱：</a:t>
-            </a:r>
-            <a:r>
-              <a:rPr lang="en-US" altLang="zh-TW" sz="1400" dirty="0">
-                <a:solidFill>
-                  <a:schemeClr val="accent1"/>
-                </a:solidFill>
-                <a:latin typeface="Yu Gothic Medium" panose="020B0500000000000000" pitchFamily="34" charset="-128"/>
-                <a:ea typeface="Yu Gothic Medium" panose="020B0500000000000000" pitchFamily="34" charset="-128"/>
-              </a:rPr>
-              <a:t>123</a:t>
-            </a:r>
-          </a:p>
-          <a:p>
-            <a:r>
-              <a:rPr lang="zh-TW" altLang="en-US" sz="1400" dirty="0">
-                <a:solidFill>
-                  <a:schemeClr val="accent1"/>
-                </a:solidFill>
-                <a:latin typeface="Yu Gothic Medium" panose="020B0500000000000000" pitchFamily="34" charset="-128"/>
-                <a:ea typeface="Yu Gothic Medium" panose="020B0500000000000000" pitchFamily="34" charset="-128"/>
-              </a:rPr>
-              <a:t>物品簡介：</a:t>
-            </a:r>
-            <a:r>
-              <a:rPr lang="en-US" altLang="zh-TW" sz="1400" dirty="0">
-                <a:solidFill>
-                  <a:schemeClr val="accent1"/>
-                </a:solidFill>
-                <a:latin typeface="Yu Gothic Medium" panose="020B0500000000000000" pitchFamily="34" charset="-128"/>
-                <a:ea typeface="Yu Gothic Medium" panose="020B0500000000000000" pitchFamily="34" charset="-128"/>
-              </a:rPr>
-              <a:t>456789</a:t>
-            </a:r>
-            <a:endParaRPr lang="zh-TW" altLang="en-US" sz="1400" dirty="0">
-              <a:solidFill>
-                <a:schemeClr val="accent1"/>
-              </a:solidFill>
-              <a:latin typeface="Yu Gothic Medium" panose="020B0500000000000000" pitchFamily="34" charset="-128"/>
-              <a:ea typeface="Yu Gothic Medium" panose="020B0500000000000000" pitchFamily="34" charset="-128"/>
-            </a:endParaRPr>
-          </a:p>
-        </p:txBody>
-      </p:sp>
-      <p:sp>
-        <p:nvSpPr>
-          <p:cNvPr id="77" name="文字方塊 76">
-            <a:extLst>
-              <a:ext uri="{FF2B5EF4-FFF2-40B4-BE49-F238E27FC236}">
-                <a16:creationId xmlns:a16="http://schemas.microsoft.com/office/drawing/2014/main" id="{C651E84B-494C-40BD-B3B8-7F89C9F18BC8}"/>
-              </a:ext>
-            </a:extLst>
-          </p:cNvPr>
-          <p:cNvSpPr txBox="1"/>
-          <p:nvPr/>
-        </p:nvSpPr>
-        <p:spPr>
-          <a:xfrm>
-            <a:off x="1706194" y="2815714"/>
-            <a:ext cx="1588227" cy="1843425"/>
-          </a:xfrm>
-          <a:prstGeom prst="rect">
-            <a:avLst/>
-          </a:prstGeom>
-          <a:noFill/>
-          <a:ln>
-            <a:solidFill>
-              <a:schemeClr val="tx1"/>
-            </a:solidFill>
-            <a:prstDash val="dash"/>
-          </a:ln>
-        </p:spPr>
-        <p:txBody>
-          <a:bodyPr wrap="none" rtlCol="0">
-            <a:noAutofit/>
-          </a:bodyPr>
-          <a:lstStyle/>
-          <a:p>
-            <a:pPr algn="ctr"/>
-            <a:endParaRPr lang="en-US" altLang="zh-TW" sz="1400" dirty="0">
-              <a:solidFill>
-                <a:schemeClr val="accent1"/>
-              </a:solidFill>
-              <a:latin typeface="Yu Gothic Medium" panose="020B0500000000000000" pitchFamily="34" charset="-128"/>
-              <a:ea typeface="Yu Gothic Medium" panose="020B0500000000000000" pitchFamily="34" charset="-128"/>
-            </a:endParaRPr>
-          </a:p>
-          <a:p>
-            <a:pPr algn="ctr"/>
-            <a:endParaRPr lang="en-US" altLang="zh-TW" sz="1400" dirty="0">
-              <a:solidFill>
-                <a:schemeClr val="accent1"/>
-              </a:solidFill>
-              <a:latin typeface="Yu Gothic Medium" panose="020B0500000000000000" pitchFamily="34" charset="-128"/>
-              <a:ea typeface="Yu Gothic Medium" panose="020B0500000000000000" pitchFamily="34" charset="-128"/>
-            </a:endParaRPr>
-          </a:p>
-          <a:p>
-            <a:pPr algn="ctr"/>
-            <a:endParaRPr lang="en-US" altLang="zh-TW" sz="1400" dirty="0">
-              <a:solidFill>
-                <a:schemeClr val="accent1"/>
-              </a:solidFill>
-              <a:latin typeface="Yu Gothic Medium" panose="020B0500000000000000" pitchFamily="34" charset="-128"/>
-              <a:ea typeface="Yu Gothic Medium" panose="020B0500000000000000" pitchFamily="34" charset="-128"/>
-            </a:endParaRPr>
-          </a:p>
-          <a:p>
-            <a:pPr algn="ctr"/>
             <a:r>
               <a:rPr lang="zh-TW" altLang="en-US" sz="1600" dirty="0">
                 <a:solidFill>
@@ -10795,17 +9780,400 @@
                 <a:latin typeface="Yu Gothic Medium" panose="020B0500000000000000" pitchFamily="34" charset="-128"/>
                 <a:ea typeface="Yu Gothic Medium" panose="020B0500000000000000" pitchFamily="34" charset="-128"/>
               </a:rPr>
-              <a:t>這是花瓶</a:t>
+              <a:t>點這離開展覽</a:t>
+            </a:r>
+          </a:p>
+        </p:txBody>
+      </p:sp>
+      <p:sp>
+        <p:nvSpPr>
+          <p:cNvPr id="25" name="文字方塊 24">
+            <a:extLst>
+              <a:ext uri="{FF2B5EF4-FFF2-40B4-BE49-F238E27FC236}">
+                <a16:creationId xmlns:a16="http://schemas.microsoft.com/office/drawing/2014/main" id="{98DF710C-C35E-4BC8-BC5D-971EFF9E9460}"/>
+              </a:ext>
+            </a:extLst>
+          </p:cNvPr>
+          <p:cNvSpPr txBox="1"/>
+          <p:nvPr/>
+        </p:nvSpPr>
+        <p:spPr>
+          <a:xfrm>
+            <a:off x="125594" y="2135950"/>
+            <a:ext cx="1268249" cy="830997"/>
+          </a:xfrm>
+          <a:prstGeom prst="rect">
+            <a:avLst/>
+          </a:prstGeom>
+          <a:noFill/>
+        </p:spPr>
+        <p:txBody>
+          <a:bodyPr wrap="square" rtlCol="0">
+            <a:spAutoFit/>
+          </a:bodyPr>
+          <a:lstStyle/>
+          <a:p>
+            <a:r>
+              <a:rPr lang="zh-TW" altLang="en-US" sz="1600" dirty="0">
+                <a:solidFill>
+                  <a:schemeClr val="accent1"/>
+                </a:solidFill>
+                <a:latin typeface="Yu Gothic Medium" panose="020B0500000000000000" pitchFamily="34" charset="-128"/>
+                <a:ea typeface="Yu Gothic Medium" panose="020B0500000000000000" pitchFamily="34" charset="-128"/>
+              </a:rPr>
+              <a:t>展覽最後展示展內所有商品</a:t>
+            </a:r>
+          </a:p>
+        </p:txBody>
+      </p:sp>
+      <p:sp>
+        <p:nvSpPr>
+          <p:cNvPr id="27" name="文字方塊 26">
+            <a:extLst>
+              <a:ext uri="{FF2B5EF4-FFF2-40B4-BE49-F238E27FC236}">
+                <a16:creationId xmlns:a16="http://schemas.microsoft.com/office/drawing/2014/main" id="{F9A42342-68B9-4F0B-9D98-AD41BEF0C606}"/>
+              </a:ext>
+            </a:extLst>
+          </p:cNvPr>
+          <p:cNvSpPr txBox="1"/>
+          <p:nvPr/>
+        </p:nvSpPr>
+        <p:spPr>
+          <a:xfrm>
+            <a:off x="1829290" y="2429585"/>
+            <a:ext cx="1443950" cy="338554"/>
+          </a:xfrm>
+          <a:prstGeom prst="rect">
+            <a:avLst/>
+          </a:prstGeom>
+          <a:noFill/>
+        </p:spPr>
+        <p:txBody>
+          <a:bodyPr wrap="square" rtlCol="0">
+            <a:spAutoFit/>
+          </a:bodyPr>
+          <a:lstStyle/>
+          <a:p>
+            <a:pPr algn="ctr"/>
+            <a:r>
+              <a:rPr lang="zh-TW" altLang="en-US" sz="1600" dirty="0">
+                <a:latin typeface="Yu Gothic Medium" panose="020B0500000000000000" pitchFamily="34" charset="-128"/>
+                <a:ea typeface="Yu Gothic Medium" panose="020B0500000000000000" pitchFamily="34" charset="-128"/>
+              </a:rPr>
+              <a:t>商品名稱</a:t>
+            </a:r>
+            <a:endParaRPr lang="en-US" altLang="zh-TW" sz="1600" dirty="0">
+              <a:latin typeface="Yu Gothic Medium" panose="020B0500000000000000" pitchFamily="34" charset="-128"/>
+              <a:ea typeface="Yu Gothic Medium" panose="020B0500000000000000" pitchFamily="34" charset="-128"/>
+            </a:endParaRPr>
+          </a:p>
+        </p:txBody>
+      </p:sp>
+      <p:sp>
+        <p:nvSpPr>
+          <p:cNvPr id="28" name="矩形 27">
+            <a:extLst>
+              <a:ext uri="{FF2B5EF4-FFF2-40B4-BE49-F238E27FC236}">
+                <a16:creationId xmlns:a16="http://schemas.microsoft.com/office/drawing/2014/main" id="{569A128A-B34A-4A9F-837C-AD1FE61312C0}"/>
+              </a:ext>
+            </a:extLst>
+          </p:cNvPr>
+          <p:cNvSpPr/>
+          <p:nvPr/>
+        </p:nvSpPr>
+        <p:spPr>
+          <a:xfrm>
+            <a:off x="1949702" y="1163655"/>
+            <a:ext cx="1203127" cy="1203127"/>
+          </a:xfrm>
+          <a:prstGeom prst="rect">
+            <a:avLst/>
+          </a:prstGeom>
+          <a:noFill/>
+        </p:spPr>
+        <p:style>
+          <a:lnRef idx="2">
+            <a:schemeClr val="accent1">
+              <a:shade val="50000"/>
+            </a:schemeClr>
+          </a:lnRef>
+          <a:fillRef idx="1">
+            <a:schemeClr val="accent1"/>
+          </a:fillRef>
+          <a:effectRef idx="0">
+            <a:schemeClr val="accent1"/>
+          </a:effectRef>
+          <a:fontRef idx="minor">
+            <a:schemeClr val="lt1"/>
+          </a:fontRef>
+        </p:style>
+        <p:txBody>
+          <a:bodyPr rtlCol="0" anchor="ctr"/>
+          <a:lstStyle/>
+          <a:p>
+            <a:pPr algn="ctr"/>
+            <a:endParaRPr lang="zh-TW" altLang="en-US"/>
+          </a:p>
+        </p:txBody>
+      </p:sp>
+      <p:sp>
+        <p:nvSpPr>
+          <p:cNvPr id="29" name="文字方塊 28">
+            <a:extLst>
+              <a:ext uri="{FF2B5EF4-FFF2-40B4-BE49-F238E27FC236}">
+                <a16:creationId xmlns:a16="http://schemas.microsoft.com/office/drawing/2014/main" id="{7CB0E8F2-405A-4049-9D07-53689596E2DE}"/>
+              </a:ext>
+            </a:extLst>
+          </p:cNvPr>
+          <p:cNvSpPr txBox="1"/>
+          <p:nvPr/>
+        </p:nvSpPr>
+        <p:spPr>
+          <a:xfrm>
+            <a:off x="2029265" y="2703015"/>
+            <a:ext cx="1044000" cy="338554"/>
+          </a:xfrm>
+          <a:prstGeom prst="rect">
+            <a:avLst/>
+          </a:prstGeom>
+          <a:noFill/>
+        </p:spPr>
+        <p:txBody>
+          <a:bodyPr wrap="square" rtlCol="0">
+            <a:spAutoFit/>
+          </a:bodyPr>
+          <a:lstStyle/>
+          <a:p>
+            <a:pPr algn="ctr"/>
+            <a:r>
+              <a:rPr lang="en-US" altLang="zh-TW" sz="1600" dirty="0">
+                <a:latin typeface="Yu Gothic Medium" panose="020B0500000000000000" pitchFamily="34" charset="-128"/>
+                <a:ea typeface="Yu Gothic Medium" panose="020B0500000000000000" pitchFamily="34" charset="-128"/>
+              </a:rPr>
+              <a:t>$500</a:t>
+            </a:r>
+          </a:p>
+        </p:txBody>
+      </p:sp>
+      <p:sp>
+        <p:nvSpPr>
+          <p:cNvPr id="30" name="文字方塊 29">
+            <a:extLst>
+              <a:ext uri="{FF2B5EF4-FFF2-40B4-BE49-F238E27FC236}">
+                <a16:creationId xmlns:a16="http://schemas.microsoft.com/office/drawing/2014/main" id="{AA6C1B00-21EB-4730-84FF-AFF97B32ACB8}"/>
+              </a:ext>
+            </a:extLst>
+          </p:cNvPr>
+          <p:cNvSpPr txBox="1"/>
+          <p:nvPr/>
+        </p:nvSpPr>
+        <p:spPr>
+          <a:xfrm>
+            <a:off x="3273240" y="1610724"/>
+            <a:ext cx="1724710" cy="584775"/>
+          </a:xfrm>
+          <a:prstGeom prst="rect">
+            <a:avLst/>
+          </a:prstGeom>
+          <a:noFill/>
+        </p:spPr>
+        <p:txBody>
+          <a:bodyPr wrap="square" rtlCol="0">
+            <a:spAutoFit/>
+          </a:bodyPr>
+          <a:lstStyle/>
+          <a:p>
+            <a:r>
+              <a:rPr lang="zh-TW" altLang="en-US" sz="1600" dirty="0">
+                <a:solidFill>
+                  <a:schemeClr val="accent1"/>
+                </a:solidFill>
+                <a:latin typeface="Yu Gothic Medium" panose="020B0500000000000000" pitchFamily="34" charset="-128"/>
+                <a:ea typeface="Yu Gothic Medium" panose="020B0500000000000000" pitchFamily="34" charset="-128"/>
+              </a:rPr>
+              <a:t>點這跳詳細商品資訊頁</a:t>
+            </a:r>
+          </a:p>
+        </p:txBody>
+      </p:sp>
+      <p:sp>
+        <p:nvSpPr>
+          <p:cNvPr id="31" name="矩形 30">
+            <a:extLst>
+              <a:ext uri="{FF2B5EF4-FFF2-40B4-BE49-F238E27FC236}">
+                <a16:creationId xmlns:a16="http://schemas.microsoft.com/office/drawing/2014/main" id="{CC540C16-95DB-4535-9B6E-0DEF2BD8620D}"/>
+              </a:ext>
+            </a:extLst>
+          </p:cNvPr>
+          <p:cNvSpPr/>
+          <p:nvPr/>
+        </p:nvSpPr>
+        <p:spPr>
+          <a:xfrm>
+            <a:off x="1805775" y="886492"/>
+            <a:ext cx="3071184" cy="5331485"/>
+          </a:xfrm>
+          <a:prstGeom prst="rect">
+            <a:avLst/>
+          </a:prstGeom>
+        </p:spPr>
+        <p:style>
+          <a:lnRef idx="2">
+            <a:schemeClr val="accent3"/>
+          </a:lnRef>
+          <a:fillRef idx="1">
+            <a:schemeClr val="lt1"/>
+          </a:fillRef>
+          <a:effectRef idx="0">
+            <a:schemeClr val="accent3"/>
+          </a:effectRef>
+          <a:fontRef idx="minor">
+            <a:schemeClr val="dk1"/>
+          </a:fontRef>
+        </p:style>
+        <p:txBody>
+          <a:bodyPr rtlCol="0" anchor="ctr"/>
+          <a:lstStyle/>
+          <a:p>
+            <a:pPr algn="ctr"/>
+            <a:endParaRPr lang="zh-TW" altLang="en-US"/>
+          </a:p>
+        </p:txBody>
+      </p:sp>
+      <p:sp>
+        <p:nvSpPr>
+          <p:cNvPr id="32" name="文字方塊 31">
+            <a:extLst>
+              <a:ext uri="{FF2B5EF4-FFF2-40B4-BE49-F238E27FC236}">
+                <a16:creationId xmlns:a16="http://schemas.microsoft.com/office/drawing/2014/main" id="{4103540E-36A4-44CA-9F83-A739DB70EB19}"/>
+              </a:ext>
+            </a:extLst>
+          </p:cNvPr>
+          <p:cNvSpPr txBox="1"/>
+          <p:nvPr/>
+        </p:nvSpPr>
+        <p:spPr>
+          <a:xfrm>
+            <a:off x="2093976" y="3234552"/>
+            <a:ext cx="1443950" cy="369332"/>
+          </a:xfrm>
+          <a:prstGeom prst="rect">
+            <a:avLst/>
+          </a:prstGeom>
+          <a:noFill/>
+        </p:spPr>
+        <p:txBody>
+          <a:bodyPr wrap="square" rtlCol="0">
+            <a:spAutoFit/>
+          </a:bodyPr>
+          <a:lstStyle/>
+          <a:p>
+            <a:r>
+              <a:rPr lang="zh-TW" altLang="en-US" dirty="0">
+                <a:latin typeface="Yu Gothic Medium" panose="020B0500000000000000" pitchFamily="34" charset="-128"/>
+                <a:ea typeface="Yu Gothic Medium" panose="020B0500000000000000" pitchFamily="34" charset="-128"/>
+              </a:rPr>
+              <a:t>商品名稱</a:t>
+            </a:r>
+            <a:endParaRPr lang="en-US" altLang="zh-TW" dirty="0">
+              <a:latin typeface="Yu Gothic Medium" panose="020B0500000000000000" pitchFamily="34" charset="-128"/>
+              <a:ea typeface="Yu Gothic Medium" panose="020B0500000000000000" pitchFamily="34" charset="-128"/>
+            </a:endParaRPr>
+          </a:p>
+        </p:txBody>
+      </p:sp>
+      <p:sp>
+        <p:nvSpPr>
+          <p:cNvPr id="33" name="矩形 32">
+            <a:extLst>
+              <a:ext uri="{FF2B5EF4-FFF2-40B4-BE49-F238E27FC236}">
+                <a16:creationId xmlns:a16="http://schemas.microsoft.com/office/drawing/2014/main" id="{D1AAB850-5823-4D51-8F2A-943A2C97153F}"/>
+              </a:ext>
+            </a:extLst>
+          </p:cNvPr>
+          <p:cNvSpPr/>
+          <p:nvPr/>
+        </p:nvSpPr>
+        <p:spPr>
+          <a:xfrm>
+            <a:off x="2213742" y="1175673"/>
+            <a:ext cx="2265598" cy="1920554"/>
+          </a:xfrm>
+          <a:prstGeom prst="rect">
+            <a:avLst/>
+          </a:prstGeom>
+          <a:noFill/>
+        </p:spPr>
+        <p:style>
+          <a:lnRef idx="2">
+            <a:schemeClr val="accent1">
+              <a:shade val="50000"/>
+            </a:schemeClr>
+          </a:lnRef>
+          <a:fillRef idx="1">
+            <a:schemeClr val="accent1"/>
+          </a:fillRef>
+          <a:effectRef idx="0">
+            <a:schemeClr val="accent1"/>
+          </a:effectRef>
+          <a:fontRef idx="minor">
+            <a:schemeClr val="lt1"/>
+          </a:fontRef>
+        </p:style>
+        <p:txBody>
+          <a:bodyPr rtlCol="0" anchor="ctr"/>
+          <a:lstStyle/>
+          <a:p>
+            <a:pPr algn="ctr"/>
+            <a:endParaRPr lang="zh-TW" altLang="en-US"/>
+          </a:p>
+        </p:txBody>
+      </p:sp>
+      <p:sp>
+        <p:nvSpPr>
+          <p:cNvPr id="34" name="文字方塊 33">
+            <a:extLst>
+              <a:ext uri="{FF2B5EF4-FFF2-40B4-BE49-F238E27FC236}">
+                <a16:creationId xmlns:a16="http://schemas.microsoft.com/office/drawing/2014/main" id="{32B06E2D-FF71-4494-BB48-D2295D26669E}"/>
+              </a:ext>
+            </a:extLst>
+          </p:cNvPr>
+          <p:cNvSpPr txBox="1"/>
+          <p:nvPr/>
+        </p:nvSpPr>
+        <p:spPr>
+          <a:xfrm>
+            <a:off x="3533118" y="3259722"/>
+            <a:ext cx="1044000" cy="338554"/>
+          </a:xfrm>
+          <a:prstGeom prst="rect">
+            <a:avLst/>
+          </a:prstGeom>
+          <a:noFill/>
+        </p:spPr>
+        <p:txBody>
+          <a:bodyPr wrap="square" rtlCol="0">
+            <a:spAutoFit/>
+          </a:bodyPr>
+          <a:lstStyle/>
+          <a:p>
+            <a:pPr algn="r"/>
+            <a:r>
+              <a:rPr lang="en-US" altLang="zh-TW" sz="1600" dirty="0">
+                <a:latin typeface="Yu Gothic Medium" panose="020B0500000000000000" pitchFamily="34" charset="-128"/>
+                <a:ea typeface="Yu Gothic Medium" panose="020B0500000000000000" pitchFamily="34" charset="-128"/>
+              </a:rPr>
+              <a:t>$500</a:t>
             </a:r>
           </a:p>
         </p:txBody>
       </p:sp>
       <p:grpSp>
         <p:nvGrpSpPr>
-          <p:cNvPr id="78" name="群組 77">
-            <a:extLst>
-              <a:ext uri="{FF2B5EF4-FFF2-40B4-BE49-F238E27FC236}">
-                <a16:creationId xmlns:a16="http://schemas.microsoft.com/office/drawing/2014/main" id="{76FD2603-1439-4CAB-84C1-0F53CFDE6C1A}"/>
+          <p:cNvPr id="35" name="群組 34">
+            <a:extLst>
+              <a:ext uri="{FF2B5EF4-FFF2-40B4-BE49-F238E27FC236}">
+                <a16:creationId xmlns:a16="http://schemas.microsoft.com/office/drawing/2014/main" id="{F2853E4A-6C95-4AA9-8737-61105B3842D3}"/>
               </a:ext>
             </a:extLst>
           </p:cNvPr>
@@ -10814,7 +10182,7 @@
         </p:nvGrpSpPr>
         <p:grpSpPr>
           <a:xfrm>
-            <a:off x="3532961" y="4158378"/>
+            <a:off x="2628678" y="4934993"/>
             <a:ext cx="1435726" cy="394611"/>
             <a:chOff x="9006722" y="4158378"/>
             <a:chExt cx="1435726" cy="394611"/>
@@ -10822,10 +10190,10 @@
         </p:grpSpPr>
         <p:pic>
           <p:nvPicPr>
-            <p:cNvPr id="79" name="圖片 78">
+            <p:cNvPr id="36" name="圖片 35">
               <a:extLst>
                 <a:ext uri="{FF2B5EF4-FFF2-40B4-BE49-F238E27FC236}">
-                  <a16:creationId xmlns:a16="http://schemas.microsoft.com/office/drawing/2014/main" id="{4F04EF2A-895C-4AB2-980B-DACF0D681854}"/>
+                  <a16:creationId xmlns:a16="http://schemas.microsoft.com/office/drawing/2014/main" id="{88A16710-6631-443A-9C22-5FFC69C8AD96}"/>
                 </a:ext>
               </a:extLst>
             </p:cNvPr>
@@ -10858,10 +10226,10 @@
         </p:pic>
         <p:sp>
           <p:nvSpPr>
-            <p:cNvPr id="80" name="流程圖: 結束點 79">
+            <p:cNvPr id="37" name="流程圖: 結束點 36">
               <a:extLst>
                 <a:ext uri="{FF2B5EF4-FFF2-40B4-BE49-F238E27FC236}">
-                  <a16:creationId xmlns:a16="http://schemas.microsoft.com/office/drawing/2014/main" id="{A4ED418E-0310-47F9-A664-20B9E42C9DBE}"/>
+                  <a16:creationId xmlns:a16="http://schemas.microsoft.com/office/drawing/2014/main" id="{7A632AC2-F1D9-457A-B57C-6DD148CE4B22}"/>
                 </a:ext>
               </a:extLst>
             </p:cNvPr>
@@ -10916,10 +10284,10 @@
         </p:sp>
         <p:sp>
           <p:nvSpPr>
-            <p:cNvPr id="81" name="文字方塊 80">
+            <p:cNvPr id="38" name="文字方塊 37">
               <a:extLst>
                 <a:ext uri="{FF2B5EF4-FFF2-40B4-BE49-F238E27FC236}">
-                  <a16:creationId xmlns:a16="http://schemas.microsoft.com/office/drawing/2014/main" id="{A5BEAD8F-117B-4657-AAF7-DC9779F1E98B}"/>
+                  <a16:creationId xmlns:a16="http://schemas.microsoft.com/office/drawing/2014/main" id="{3EB08AEE-9C48-4D97-B0FE-877E53EC893C}"/>
                 </a:ext>
               </a:extLst>
             </p:cNvPr>
@@ -10953,6 +10321,92 @@
           </p:txBody>
         </p:sp>
       </p:grpSp>
+      <p:sp>
+        <p:nvSpPr>
+          <p:cNvPr id="39" name="文字方塊 38">
+            <a:extLst>
+              <a:ext uri="{FF2B5EF4-FFF2-40B4-BE49-F238E27FC236}">
+                <a16:creationId xmlns:a16="http://schemas.microsoft.com/office/drawing/2014/main" id="{9D6D4D09-8A6F-4003-9C58-42E9B1C2F99A}"/>
+              </a:ext>
+            </a:extLst>
+          </p:cNvPr>
+          <p:cNvSpPr txBox="1"/>
+          <p:nvPr/>
+        </p:nvSpPr>
+        <p:spPr>
+          <a:xfrm>
+            <a:off x="2204456" y="3702803"/>
+            <a:ext cx="2265598" cy="1077218"/>
+          </a:xfrm>
+          <a:prstGeom prst="rect">
+            <a:avLst/>
+          </a:prstGeom>
+          <a:noFill/>
+        </p:spPr>
+        <p:txBody>
+          <a:bodyPr wrap="square" rtlCol="0">
+            <a:spAutoFit/>
+          </a:bodyPr>
+          <a:lstStyle/>
+          <a:p>
+            <a:pPr algn="ctr"/>
+            <a:r>
+              <a:rPr lang="zh-TW" altLang="en-US" sz="1600" dirty="0">
+                <a:latin typeface="Yu Gothic Medium" panose="020B0500000000000000" pitchFamily="34" charset="-128"/>
+                <a:ea typeface="Yu Gothic Medium" panose="020B0500000000000000" pitchFamily="34" charset="-128"/>
+              </a:rPr>
+              <a:t>商品資訊商品資訊商品資訊商品資訊商品資訊商品資訊</a:t>
+            </a:r>
+            <a:endParaRPr lang="en-US" altLang="zh-TW" sz="1600" dirty="0">
+              <a:latin typeface="Yu Gothic Medium" panose="020B0500000000000000" pitchFamily="34" charset="-128"/>
+              <a:ea typeface="Yu Gothic Medium" panose="020B0500000000000000" pitchFamily="34" charset="-128"/>
+            </a:endParaRPr>
+          </a:p>
+          <a:p>
+            <a:pPr algn="ctr"/>
+            <a:endParaRPr lang="en-US" altLang="zh-TW" sz="1600" dirty="0">
+              <a:latin typeface="Yu Gothic Medium" panose="020B0500000000000000" pitchFamily="34" charset="-128"/>
+              <a:ea typeface="Yu Gothic Medium" panose="020B0500000000000000" pitchFamily="34" charset="-128"/>
+            </a:endParaRPr>
+          </a:p>
+        </p:txBody>
+      </p:sp>
+      <p:pic>
+        <p:nvPicPr>
+          <p:cNvPr id="40" name="圖片 39">
+            <a:extLst>
+              <a:ext uri="{FF2B5EF4-FFF2-40B4-BE49-F238E27FC236}">
+                <a16:creationId xmlns:a16="http://schemas.microsoft.com/office/drawing/2014/main" id="{29068A65-F363-4CA3-BA64-58602C14BAB5}"/>
+              </a:ext>
+            </a:extLst>
+          </p:cNvPr>
+          <p:cNvPicPr>
+            <a:picLocks noChangeAspect="1"/>
+          </p:cNvPicPr>
+          <p:nvPr/>
+        </p:nvPicPr>
+        <p:blipFill>
+          <a:blip r:embed="rId4">
+            <a:extLst>
+              <a:ext uri="{28A0092B-C50C-407E-A947-70E740481C1C}">
+                <a14:useLocalDpi xmlns:a14="http://schemas.microsoft.com/office/drawing/2010/main" val="0"/>
+              </a:ext>
+            </a:extLst>
+          </a:blip>
+          <a:stretch>
+            <a:fillRect/>
+          </a:stretch>
+        </p:blipFill>
+        <p:spPr>
+          <a:xfrm>
+            <a:off x="4655841" y="524967"/>
+            <a:ext cx="288000" cy="288000"/>
+          </a:xfrm>
+          <a:prstGeom prst="rect">
+            <a:avLst/>
+          </a:prstGeom>
+        </p:spPr>
+      </p:pic>
     </p:spTree>
     <p:extLst>
       <p:ext uri="{BB962C8B-B14F-4D97-AF65-F5344CB8AC3E}">
@@ -10963,6 +10417,544 @@
   <p:clrMapOvr>
     <a:masterClrMapping/>
   </p:clrMapOvr>
+  <p:timing>
+    <p:tnLst>
+      <p:par>
+        <p:cTn id="1" dur="indefinite" restart="never" nodeType="tmRoot">
+          <p:childTnLst>
+            <p:seq concurrent="1" nextAc="seek">
+              <p:cTn id="2" dur="indefinite" nodeType="mainSeq">
+                <p:childTnLst>
+                  <p:par>
+                    <p:cTn id="3" fill="hold">
+                      <p:stCondLst>
+                        <p:cond delay="indefinite"/>
+                        <p:cond evt="onBegin" delay="0">
+                          <p:tn val="2"/>
+                        </p:cond>
+                      </p:stCondLst>
+                      <p:childTnLst>
+                        <p:par>
+                          <p:cTn id="4" fill="hold">
+                            <p:stCondLst>
+                              <p:cond delay="0"/>
+                            </p:stCondLst>
+                            <p:childTnLst>
+                              <p:par>
+                                <p:cTn id="5" presetID="10" presetClass="entr" presetSubtype="0" fill="hold" grpId="0" nodeType="withEffect">
+                                  <p:stCondLst>
+                                    <p:cond delay="0"/>
+                                  </p:stCondLst>
+                                  <p:childTnLst>
+                                    <p:set>
+                                      <p:cBhvr>
+                                        <p:cTn id="6" dur="1" fill="hold">
+                                          <p:stCondLst>
+                                            <p:cond delay="0"/>
+                                          </p:stCondLst>
+                                        </p:cTn>
+                                        <p:tgtEl>
+                                          <p:spTgt spid="23"/>
+                                        </p:tgtEl>
+                                        <p:attrNameLst>
+                                          <p:attrName>style.visibility</p:attrName>
+                                        </p:attrNameLst>
+                                      </p:cBhvr>
+                                      <p:to>
+                                        <p:strVal val="visible"/>
+                                      </p:to>
+                                    </p:set>
+                                    <p:animEffect transition="in" filter="fade">
+                                      <p:cBhvr>
+                                        <p:cTn id="7" dur="500"/>
+                                        <p:tgtEl>
+                                          <p:spTgt spid="23"/>
+                                        </p:tgtEl>
+                                      </p:cBhvr>
+                                    </p:animEffect>
+                                  </p:childTnLst>
+                                </p:cTn>
+                              </p:par>
+                            </p:childTnLst>
+                          </p:cTn>
+                        </p:par>
+                        <p:par>
+                          <p:cTn id="8" fill="hold">
+                            <p:stCondLst>
+                              <p:cond delay="500"/>
+                            </p:stCondLst>
+                            <p:childTnLst>
+                              <p:par>
+                                <p:cTn id="9" presetID="10" presetClass="entr" presetSubtype="0" fill="hold" grpId="0" nodeType="afterEffect">
+                                  <p:stCondLst>
+                                    <p:cond delay="0"/>
+                                  </p:stCondLst>
+                                  <p:childTnLst>
+                                    <p:set>
+                                      <p:cBhvr>
+                                        <p:cTn id="10" dur="1" fill="hold">
+                                          <p:stCondLst>
+                                            <p:cond delay="0"/>
+                                          </p:stCondLst>
+                                        </p:cTn>
+                                        <p:tgtEl>
+                                          <p:spTgt spid="24"/>
+                                        </p:tgtEl>
+                                        <p:attrNameLst>
+                                          <p:attrName>style.visibility</p:attrName>
+                                        </p:attrNameLst>
+                                      </p:cBhvr>
+                                      <p:to>
+                                        <p:strVal val="visible"/>
+                                      </p:to>
+                                    </p:set>
+                                    <p:animEffect transition="in" filter="fade">
+                                      <p:cBhvr>
+                                        <p:cTn id="11" dur="500"/>
+                                        <p:tgtEl>
+                                          <p:spTgt spid="24"/>
+                                        </p:tgtEl>
+                                      </p:cBhvr>
+                                    </p:animEffect>
+                                  </p:childTnLst>
+                                </p:cTn>
+                              </p:par>
+                            </p:childTnLst>
+                          </p:cTn>
+                        </p:par>
+                      </p:childTnLst>
+                    </p:cTn>
+                  </p:par>
+                  <p:par>
+                    <p:cTn id="12" fill="hold">
+                      <p:stCondLst>
+                        <p:cond delay="indefinite"/>
+                      </p:stCondLst>
+                      <p:childTnLst>
+                        <p:par>
+                          <p:cTn id="13" fill="hold">
+                            <p:stCondLst>
+                              <p:cond delay="0"/>
+                            </p:stCondLst>
+                            <p:childTnLst>
+                              <p:par>
+                                <p:cTn id="14" presetID="10" presetClass="entr" presetSubtype="0" fill="hold" grpId="0" nodeType="clickEffect">
+                                  <p:stCondLst>
+                                    <p:cond delay="0"/>
+                                  </p:stCondLst>
+                                  <p:childTnLst>
+                                    <p:set>
+                                      <p:cBhvr>
+                                        <p:cTn id="15" dur="1" fill="hold">
+                                          <p:stCondLst>
+                                            <p:cond delay="0"/>
+                                          </p:stCondLst>
+                                        </p:cTn>
+                                        <p:tgtEl>
+                                          <p:spTgt spid="29"/>
+                                        </p:tgtEl>
+                                        <p:attrNameLst>
+                                          <p:attrName>style.visibility</p:attrName>
+                                        </p:attrNameLst>
+                                      </p:cBhvr>
+                                      <p:to>
+                                        <p:strVal val="visible"/>
+                                      </p:to>
+                                    </p:set>
+                                    <p:animEffect transition="in" filter="fade">
+                                      <p:cBhvr>
+                                        <p:cTn id="16" dur="500"/>
+                                        <p:tgtEl>
+                                          <p:spTgt spid="29"/>
+                                        </p:tgtEl>
+                                      </p:cBhvr>
+                                    </p:animEffect>
+                                  </p:childTnLst>
+                                </p:cTn>
+                              </p:par>
+                              <p:par>
+                                <p:cTn id="17" presetID="10" presetClass="entr" presetSubtype="0" fill="hold" grpId="0" nodeType="withEffect">
+                                  <p:stCondLst>
+                                    <p:cond delay="0"/>
+                                  </p:stCondLst>
+                                  <p:childTnLst>
+                                    <p:set>
+                                      <p:cBhvr>
+                                        <p:cTn id="18" dur="1" fill="hold">
+                                          <p:stCondLst>
+                                            <p:cond delay="0"/>
+                                          </p:stCondLst>
+                                        </p:cTn>
+                                        <p:tgtEl>
+                                          <p:spTgt spid="27"/>
+                                        </p:tgtEl>
+                                        <p:attrNameLst>
+                                          <p:attrName>style.visibility</p:attrName>
+                                        </p:attrNameLst>
+                                      </p:cBhvr>
+                                      <p:to>
+                                        <p:strVal val="visible"/>
+                                      </p:to>
+                                    </p:set>
+                                    <p:animEffect transition="in" filter="fade">
+                                      <p:cBhvr>
+                                        <p:cTn id="19" dur="500"/>
+                                        <p:tgtEl>
+                                          <p:spTgt spid="27"/>
+                                        </p:tgtEl>
+                                      </p:cBhvr>
+                                    </p:animEffect>
+                                  </p:childTnLst>
+                                </p:cTn>
+                              </p:par>
+                              <p:par>
+                                <p:cTn id="20" presetID="10" presetClass="entr" presetSubtype="0" fill="hold" grpId="0" nodeType="withEffect">
+                                  <p:stCondLst>
+                                    <p:cond delay="0"/>
+                                  </p:stCondLst>
+                                  <p:childTnLst>
+                                    <p:set>
+                                      <p:cBhvr>
+                                        <p:cTn id="21" dur="1" fill="hold">
+                                          <p:stCondLst>
+                                            <p:cond delay="0"/>
+                                          </p:stCondLst>
+                                        </p:cTn>
+                                        <p:tgtEl>
+                                          <p:spTgt spid="28"/>
+                                        </p:tgtEl>
+                                        <p:attrNameLst>
+                                          <p:attrName>style.visibility</p:attrName>
+                                        </p:attrNameLst>
+                                      </p:cBhvr>
+                                      <p:to>
+                                        <p:strVal val="visible"/>
+                                      </p:to>
+                                    </p:set>
+                                    <p:animEffect transition="in" filter="fade">
+                                      <p:cBhvr>
+                                        <p:cTn id="22" dur="500"/>
+                                        <p:tgtEl>
+                                          <p:spTgt spid="28"/>
+                                        </p:tgtEl>
+                                      </p:cBhvr>
+                                    </p:animEffect>
+                                  </p:childTnLst>
+                                </p:cTn>
+                              </p:par>
+                            </p:childTnLst>
+                          </p:cTn>
+                        </p:par>
+                        <p:par>
+                          <p:cTn id="23" fill="hold">
+                            <p:stCondLst>
+                              <p:cond delay="500"/>
+                            </p:stCondLst>
+                            <p:childTnLst>
+                              <p:par>
+                                <p:cTn id="24" presetID="10" presetClass="entr" presetSubtype="0" fill="hold" grpId="0" nodeType="afterEffect">
+                                  <p:stCondLst>
+                                    <p:cond delay="0"/>
+                                  </p:stCondLst>
+                                  <p:childTnLst>
+                                    <p:set>
+                                      <p:cBhvr>
+                                        <p:cTn id="25" dur="1" fill="hold">
+                                          <p:stCondLst>
+                                            <p:cond delay="0"/>
+                                          </p:stCondLst>
+                                        </p:cTn>
+                                        <p:tgtEl>
+                                          <p:spTgt spid="30"/>
+                                        </p:tgtEl>
+                                        <p:attrNameLst>
+                                          <p:attrName>style.visibility</p:attrName>
+                                        </p:attrNameLst>
+                                      </p:cBhvr>
+                                      <p:to>
+                                        <p:strVal val="visible"/>
+                                      </p:to>
+                                    </p:set>
+                                    <p:animEffect transition="in" filter="fade">
+                                      <p:cBhvr>
+                                        <p:cTn id="26" dur="500"/>
+                                        <p:tgtEl>
+                                          <p:spTgt spid="30"/>
+                                        </p:tgtEl>
+                                      </p:cBhvr>
+                                    </p:animEffect>
+                                  </p:childTnLst>
+                                </p:cTn>
+                              </p:par>
+                            </p:childTnLst>
+                          </p:cTn>
+                        </p:par>
+                      </p:childTnLst>
+                    </p:cTn>
+                  </p:par>
+                  <p:par>
+                    <p:cTn id="27" fill="hold">
+                      <p:stCondLst>
+                        <p:cond delay="indefinite"/>
+                      </p:stCondLst>
+                      <p:childTnLst>
+                        <p:par>
+                          <p:cTn id="28" fill="hold">
+                            <p:stCondLst>
+                              <p:cond delay="0"/>
+                            </p:stCondLst>
+                            <p:childTnLst>
+                              <p:par>
+                                <p:cTn id="29" presetID="10" presetClass="entr" presetSubtype="0" fill="hold" grpId="0" nodeType="clickEffect">
+                                  <p:stCondLst>
+                                    <p:cond delay="0"/>
+                                  </p:stCondLst>
+                                  <p:childTnLst>
+                                    <p:set>
+                                      <p:cBhvr>
+                                        <p:cTn id="30" dur="1" fill="hold">
+                                          <p:stCondLst>
+                                            <p:cond delay="0"/>
+                                          </p:stCondLst>
+                                        </p:cTn>
+                                        <p:tgtEl>
+                                          <p:spTgt spid="31"/>
+                                        </p:tgtEl>
+                                        <p:attrNameLst>
+                                          <p:attrName>style.visibility</p:attrName>
+                                        </p:attrNameLst>
+                                      </p:cBhvr>
+                                      <p:to>
+                                        <p:strVal val="visible"/>
+                                      </p:to>
+                                    </p:set>
+                                    <p:animEffect transition="in" filter="fade">
+                                      <p:cBhvr>
+                                        <p:cTn id="31" dur="500"/>
+                                        <p:tgtEl>
+                                          <p:spTgt spid="31"/>
+                                        </p:tgtEl>
+                                      </p:cBhvr>
+                                    </p:animEffect>
+                                  </p:childTnLst>
+                                </p:cTn>
+                              </p:par>
+                              <p:par>
+                                <p:cTn id="32" presetID="10" presetClass="entr" presetSubtype="0" fill="hold" grpId="0" nodeType="withEffect">
+                                  <p:stCondLst>
+                                    <p:cond delay="0"/>
+                                  </p:stCondLst>
+                                  <p:childTnLst>
+                                    <p:set>
+                                      <p:cBhvr>
+                                        <p:cTn id="33" dur="1" fill="hold">
+                                          <p:stCondLst>
+                                            <p:cond delay="0"/>
+                                          </p:stCondLst>
+                                        </p:cTn>
+                                        <p:tgtEl>
+                                          <p:spTgt spid="32"/>
+                                        </p:tgtEl>
+                                        <p:attrNameLst>
+                                          <p:attrName>style.visibility</p:attrName>
+                                        </p:attrNameLst>
+                                      </p:cBhvr>
+                                      <p:to>
+                                        <p:strVal val="visible"/>
+                                      </p:to>
+                                    </p:set>
+                                    <p:animEffect transition="in" filter="fade">
+                                      <p:cBhvr>
+                                        <p:cTn id="34" dur="500"/>
+                                        <p:tgtEl>
+                                          <p:spTgt spid="32"/>
+                                        </p:tgtEl>
+                                      </p:cBhvr>
+                                    </p:animEffect>
+                                  </p:childTnLst>
+                                </p:cTn>
+                              </p:par>
+                              <p:par>
+                                <p:cTn id="35" presetID="10" presetClass="entr" presetSubtype="0" fill="hold" grpId="0" nodeType="withEffect">
+                                  <p:stCondLst>
+                                    <p:cond delay="0"/>
+                                  </p:stCondLst>
+                                  <p:childTnLst>
+                                    <p:set>
+                                      <p:cBhvr>
+                                        <p:cTn id="36" dur="1" fill="hold">
+                                          <p:stCondLst>
+                                            <p:cond delay="0"/>
+                                          </p:stCondLst>
+                                        </p:cTn>
+                                        <p:tgtEl>
+                                          <p:spTgt spid="34"/>
+                                        </p:tgtEl>
+                                        <p:attrNameLst>
+                                          <p:attrName>style.visibility</p:attrName>
+                                        </p:attrNameLst>
+                                      </p:cBhvr>
+                                      <p:to>
+                                        <p:strVal val="visible"/>
+                                      </p:to>
+                                    </p:set>
+                                    <p:animEffect transition="in" filter="fade">
+                                      <p:cBhvr>
+                                        <p:cTn id="37" dur="500"/>
+                                        <p:tgtEl>
+                                          <p:spTgt spid="34"/>
+                                        </p:tgtEl>
+                                      </p:cBhvr>
+                                    </p:animEffect>
+                                  </p:childTnLst>
+                                </p:cTn>
+                              </p:par>
+                              <p:par>
+                                <p:cTn id="38" presetID="10" presetClass="entr" presetSubtype="0" fill="hold" grpId="0" nodeType="withEffect">
+                                  <p:stCondLst>
+                                    <p:cond delay="0"/>
+                                  </p:stCondLst>
+                                  <p:childTnLst>
+                                    <p:set>
+                                      <p:cBhvr>
+                                        <p:cTn id="39" dur="1" fill="hold">
+                                          <p:stCondLst>
+                                            <p:cond delay="0"/>
+                                          </p:stCondLst>
+                                        </p:cTn>
+                                        <p:tgtEl>
+                                          <p:spTgt spid="33"/>
+                                        </p:tgtEl>
+                                        <p:attrNameLst>
+                                          <p:attrName>style.visibility</p:attrName>
+                                        </p:attrNameLst>
+                                      </p:cBhvr>
+                                      <p:to>
+                                        <p:strVal val="visible"/>
+                                      </p:to>
+                                    </p:set>
+                                    <p:animEffect transition="in" filter="fade">
+                                      <p:cBhvr>
+                                        <p:cTn id="40" dur="500"/>
+                                        <p:tgtEl>
+                                          <p:spTgt spid="33"/>
+                                        </p:tgtEl>
+                                      </p:cBhvr>
+                                    </p:animEffect>
+                                  </p:childTnLst>
+                                </p:cTn>
+                              </p:par>
+                              <p:par>
+                                <p:cTn id="41" presetID="10" presetClass="entr" presetSubtype="0" fill="hold" nodeType="withEffect">
+                                  <p:stCondLst>
+                                    <p:cond delay="0"/>
+                                  </p:stCondLst>
+                                  <p:childTnLst>
+                                    <p:set>
+                                      <p:cBhvr>
+                                        <p:cTn id="42" dur="1" fill="hold">
+                                          <p:stCondLst>
+                                            <p:cond delay="0"/>
+                                          </p:stCondLst>
+                                        </p:cTn>
+                                        <p:tgtEl>
+                                          <p:spTgt spid="35"/>
+                                        </p:tgtEl>
+                                        <p:attrNameLst>
+                                          <p:attrName>style.visibility</p:attrName>
+                                        </p:attrNameLst>
+                                      </p:cBhvr>
+                                      <p:to>
+                                        <p:strVal val="visible"/>
+                                      </p:to>
+                                    </p:set>
+                                    <p:animEffect transition="in" filter="fade">
+                                      <p:cBhvr>
+                                        <p:cTn id="43" dur="500"/>
+                                        <p:tgtEl>
+                                          <p:spTgt spid="35"/>
+                                        </p:tgtEl>
+                                      </p:cBhvr>
+                                    </p:animEffect>
+                                  </p:childTnLst>
+                                </p:cTn>
+                              </p:par>
+                              <p:par>
+                                <p:cTn id="44" presetID="10" presetClass="entr" presetSubtype="0" fill="hold" grpId="0" nodeType="withEffect">
+                                  <p:stCondLst>
+                                    <p:cond delay="0"/>
+                                  </p:stCondLst>
+                                  <p:childTnLst>
+                                    <p:set>
+                                      <p:cBhvr>
+                                        <p:cTn id="45" dur="1" fill="hold">
+                                          <p:stCondLst>
+                                            <p:cond delay="0"/>
+                                          </p:stCondLst>
+                                        </p:cTn>
+                                        <p:tgtEl>
+                                          <p:spTgt spid="39"/>
+                                        </p:tgtEl>
+                                        <p:attrNameLst>
+                                          <p:attrName>style.visibility</p:attrName>
+                                        </p:attrNameLst>
+                                      </p:cBhvr>
+                                      <p:to>
+                                        <p:strVal val="visible"/>
+                                      </p:to>
+                                    </p:set>
+                                    <p:animEffect transition="in" filter="fade">
+                                      <p:cBhvr>
+                                        <p:cTn id="46" dur="500"/>
+                                        <p:tgtEl>
+                                          <p:spTgt spid="39"/>
+                                        </p:tgtEl>
+                                      </p:cBhvr>
+                                    </p:animEffect>
+                                  </p:childTnLst>
+                                </p:cTn>
+                              </p:par>
+                            </p:childTnLst>
+                          </p:cTn>
+                        </p:par>
+                      </p:childTnLst>
+                    </p:cTn>
+                  </p:par>
+                </p:childTnLst>
+              </p:cTn>
+              <p:prevCondLst>
+                <p:cond evt="onPrev" delay="0">
+                  <p:tgtEl>
+                    <p:sldTgt/>
+                  </p:tgtEl>
+                </p:cond>
+              </p:prevCondLst>
+              <p:nextCondLst>
+                <p:cond evt="onNext" delay="0">
+                  <p:tgtEl>
+                    <p:sldTgt/>
+                  </p:tgtEl>
+                </p:cond>
+              </p:nextCondLst>
+            </p:seq>
+          </p:childTnLst>
+        </p:cTn>
+      </p:par>
+    </p:tnLst>
+    <p:bldLst>
+      <p:bldP spid="23" grpId="0" animBg="1"/>
+      <p:bldP spid="24" grpId="0"/>
+      <p:bldP spid="27" grpId="0"/>
+      <p:bldP spid="28" grpId="0" animBg="1"/>
+      <p:bldP spid="29" grpId="0"/>
+      <p:bldP spid="30" grpId="0"/>
+      <p:bldP spid="31" grpId="0" animBg="1"/>
+      <p:bldP spid="32" grpId="0"/>
+      <p:bldP spid="33" grpId="0" animBg="1"/>
+      <p:bldP spid="34" grpId="0"/>
+      <p:bldP spid="39" grpId="0"/>
+    </p:bldLst>
+  </p:timing>
 </p:sld>
 </file>
 
